--- a/프로젝트 발표자료 모음/자바 스크립트 발표 자료/JavaScript Games.pptx
+++ b/프로젝트 발표자료 모음/자바 스크립트 발표 자료/JavaScript Games.pptx
@@ -7,6 +7,14 @@
   <p:sldIdLst>
     <p:sldId id="256" r:id="rId2"/>
     <p:sldId id="257" r:id="rId3"/>
+    <p:sldId id="259" r:id="rId4"/>
+    <p:sldId id="258" r:id="rId5"/>
+    <p:sldId id="260" r:id="rId6"/>
+    <p:sldId id="264" r:id="rId7"/>
+    <p:sldId id="265" r:id="rId8"/>
+    <p:sldId id="261" r:id="rId9"/>
+    <p:sldId id="262" r:id="rId10"/>
+    <p:sldId id="263" r:id="rId11"/>
   </p:sldIdLst>
   <p:sldSz cx="12192000" cy="6858000"/>
   <p:notesSz cx="6858000" cy="9144000"/>
@@ -105,6 +113,11 @@
       </a:defRPr>
     </a:lvl9pPr>
   </p:defaultTextStyle>
+  <p:extLst>
+    <p:ext uri="{EFAFB233-063F-42B5-8137-9DF3F51BA10A}">
+      <p15:sldGuideLst xmlns:p15="http://schemas.microsoft.com/office/powerpoint/2012/main"/>
+    </p:ext>
+  </p:extLst>
 </p:presentation>
 </file>
 
@@ -3618,6 +3631,302 @@
 </p:sld>
 </file>
 
+<file path=ppt/slides/slide10.xml><?xml version="1.0" encoding="utf-8"?>
+<p:sld xmlns:a="http://schemas.openxmlformats.org/drawingml/2006/main" xmlns:r="http://schemas.openxmlformats.org/officeDocument/2006/relationships" xmlns:p="http://schemas.openxmlformats.org/presentationml/2006/main">
+  <p:cSld>
+    <p:spTree>
+      <p:nvGrpSpPr>
+        <p:cNvPr id="1" name=""/>
+        <p:cNvGrpSpPr/>
+        <p:nvPr/>
+      </p:nvGrpSpPr>
+      <p:grpSpPr>
+        <a:xfrm>
+          <a:off x="0" y="0"/>
+          <a:ext cx="0" cy="0"/>
+          <a:chOff x="0" y="0"/>
+          <a:chExt cx="0" cy="0"/>
+        </a:xfrm>
+      </p:grpSpPr>
+      <p:sp>
+        <p:nvSpPr>
+          <p:cNvPr id="7" name="내용 개체 틀 2">
+            <a:extLst>
+              <a:ext uri="{FF2B5EF4-FFF2-40B4-BE49-F238E27FC236}">
+                <a16:creationId xmlns:a16="http://schemas.microsoft.com/office/drawing/2014/main" id="{2A8C83F4-BD5B-469E-34DE-B5426AE750BB}"/>
+              </a:ext>
+            </a:extLst>
+          </p:cNvPr>
+          <p:cNvSpPr>
+            <a:spLocks noGrp="1"/>
+          </p:cNvSpPr>
+          <p:nvPr>
+            <p:ph idx="1"/>
+          </p:nvPr>
+        </p:nvSpPr>
+        <p:spPr>
+          <a:xfrm>
+            <a:off x="838200" y="2816619"/>
+            <a:ext cx="10515599" cy="3360344"/>
+          </a:xfrm>
+        </p:spPr>
+        <p:txBody>
+          <a:bodyPr/>
+          <a:lstStyle/>
+          <a:p>
+            <a:pPr marL="0" indent="0" algn="ctr">
+              <a:buNone/>
+            </a:pPr>
+            <a:r>
+              <a:rPr lang="en-US" altLang="ko-KR" dirty="0"/>
+              <a:t>04</a:t>
+            </a:r>
+          </a:p>
+          <a:p>
+            <a:pPr marL="0" indent="0" algn="ctr">
+              <a:buNone/>
+            </a:pPr>
+            <a:endParaRPr lang="en-US" altLang="ko-KR" dirty="0"/>
+          </a:p>
+          <a:p>
+            <a:pPr marL="0" indent="0" algn="ctr">
+              <a:buNone/>
+            </a:pPr>
+            <a:r>
+              <a:rPr lang="en-US" altLang="ko-KR" dirty="0"/>
+              <a:t>ISSUES</a:t>
+            </a:r>
+            <a:endParaRPr lang="ko-KR" altLang="en-US" dirty="0"/>
+          </a:p>
+        </p:txBody>
+      </p:sp>
+      <p:sp>
+        <p:nvSpPr>
+          <p:cNvPr id="3" name="사각형: 둥근 모서리 2">
+            <a:extLst>
+              <a:ext uri="{FF2B5EF4-FFF2-40B4-BE49-F238E27FC236}">
+                <a16:creationId xmlns:a16="http://schemas.microsoft.com/office/drawing/2014/main" id="{48710FD9-A860-79C2-A674-D3F0865003D9}"/>
+              </a:ext>
+            </a:extLst>
+          </p:cNvPr>
+          <p:cNvSpPr/>
+          <p:nvPr/>
+        </p:nvSpPr>
+        <p:spPr>
+          <a:xfrm>
+            <a:off x="4841642" y="6491938"/>
+            <a:ext cx="482991" cy="70339"/>
+          </a:xfrm>
+          <a:prstGeom prst="roundRect">
+            <a:avLst/>
+          </a:prstGeom>
+          <a:solidFill>
+            <a:schemeClr val="accent1">
+              <a:lumMod val="20000"/>
+              <a:lumOff val="80000"/>
+            </a:schemeClr>
+          </a:solidFill>
+          <a:ln>
+            <a:noFill/>
+          </a:ln>
+        </p:spPr>
+        <p:style>
+          <a:lnRef idx="2">
+            <a:schemeClr val="accent1">
+              <a:shade val="15000"/>
+            </a:schemeClr>
+          </a:lnRef>
+          <a:fillRef idx="1">
+            <a:schemeClr val="accent1"/>
+          </a:fillRef>
+          <a:effectRef idx="0">
+            <a:schemeClr val="accent1"/>
+          </a:effectRef>
+          <a:fontRef idx="minor">
+            <a:schemeClr val="lt1"/>
+          </a:fontRef>
+        </p:style>
+        <p:txBody>
+          <a:bodyPr rtlCol="0" anchor="ctr"/>
+          <a:lstStyle/>
+          <a:p>
+            <a:pPr algn="ctr"/>
+            <a:endParaRPr lang="ko-KR" altLang="en-US"/>
+          </a:p>
+        </p:txBody>
+      </p:sp>
+      <p:sp>
+        <p:nvSpPr>
+          <p:cNvPr id="4" name="사각형: 둥근 모서리 3">
+            <a:extLst>
+              <a:ext uri="{FF2B5EF4-FFF2-40B4-BE49-F238E27FC236}">
+                <a16:creationId xmlns:a16="http://schemas.microsoft.com/office/drawing/2014/main" id="{48B3FAA0-F21E-67FB-A331-BEEE158433E3}"/>
+              </a:ext>
+            </a:extLst>
+          </p:cNvPr>
+          <p:cNvSpPr/>
+          <p:nvPr/>
+        </p:nvSpPr>
+        <p:spPr>
+          <a:xfrm>
+            <a:off x="6867368" y="6489292"/>
+            <a:ext cx="482991" cy="70339"/>
+          </a:xfrm>
+          <a:prstGeom prst="roundRect">
+            <a:avLst/>
+          </a:prstGeom>
+          <a:ln>
+            <a:noFill/>
+          </a:ln>
+        </p:spPr>
+        <p:style>
+          <a:lnRef idx="2">
+            <a:schemeClr val="accent1">
+              <a:shade val="15000"/>
+            </a:schemeClr>
+          </a:lnRef>
+          <a:fillRef idx="1">
+            <a:schemeClr val="accent1"/>
+          </a:fillRef>
+          <a:effectRef idx="0">
+            <a:schemeClr val="accent1"/>
+          </a:effectRef>
+          <a:fontRef idx="minor">
+            <a:schemeClr val="lt1"/>
+          </a:fontRef>
+        </p:style>
+        <p:txBody>
+          <a:bodyPr rtlCol="0" anchor="ctr"/>
+          <a:lstStyle/>
+          <a:p>
+            <a:pPr algn="ctr"/>
+            <a:endParaRPr lang="ko-KR" altLang="en-US"/>
+          </a:p>
+        </p:txBody>
+      </p:sp>
+      <p:sp>
+        <p:nvSpPr>
+          <p:cNvPr id="5" name="사각형: 둥근 모서리 4">
+            <a:extLst>
+              <a:ext uri="{FF2B5EF4-FFF2-40B4-BE49-F238E27FC236}">
+                <a16:creationId xmlns:a16="http://schemas.microsoft.com/office/drawing/2014/main" id="{9121A56C-B069-A08C-8419-04E70F4AF5BB}"/>
+              </a:ext>
+            </a:extLst>
+          </p:cNvPr>
+          <p:cNvSpPr/>
+          <p:nvPr/>
+        </p:nvSpPr>
+        <p:spPr>
+          <a:xfrm>
+            <a:off x="5516884" y="6491938"/>
+            <a:ext cx="482991" cy="70339"/>
+          </a:xfrm>
+          <a:prstGeom prst="roundRect">
+            <a:avLst/>
+          </a:prstGeom>
+          <a:solidFill>
+            <a:schemeClr val="accent1">
+              <a:lumMod val="20000"/>
+              <a:lumOff val="80000"/>
+            </a:schemeClr>
+          </a:solidFill>
+          <a:ln>
+            <a:noFill/>
+          </a:ln>
+        </p:spPr>
+        <p:style>
+          <a:lnRef idx="2">
+            <a:schemeClr val="accent1">
+              <a:shade val="15000"/>
+            </a:schemeClr>
+          </a:lnRef>
+          <a:fillRef idx="1">
+            <a:schemeClr val="accent1"/>
+          </a:fillRef>
+          <a:effectRef idx="0">
+            <a:schemeClr val="accent1"/>
+          </a:effectRef>
+          <a:fontRef idx="minor">
+            <a:schemeClr val="lt1"/>
+          </a:fontRef>
+        </p:style>
+        <p:txBody>
+          <a:bodyPr rtlCol="0" anchor="ctr"/>
+          <a:lstStyle/>
+          <a:p>
+            <a:pPr algn="ctr"/>
+            <a:endParaRPr lang="ko-KR" altLang="en-US"/>
+          </a:p>
+        </p:txBody>
+      </p:sp>
+      <p:sp>
+        <p:nvSpPr>
+          <p:cNvPr id="6" name="사각형: 둥근 모서리 5">
+            <a:extLst>
+              <a:ext uri="{FF2B5EF4-FFF2-40B4-BE49-F238E27FC236}">
+                <a16:creationId xmlns:a16="http://schemas.microsoft.com/office/drawing/2014/main" id="{4CFF7E9F-A024-E79D-F9EF-A679324A64A8}"/>
+              </a:ext>
+            </a:extLst>
+          </p:cNvPr>
+          <p:cNvSpPr/>
+          <p:nvPr/>
+        </p:nvSpPr>
+        <p:spPr>
+          <a:xfrm>
+            <a:off x="6192126" y="6491937"/>
+            <a:ext cx="482991" cy="70339"/>
+          </a:xfrm>
+          <a:prstGeom prst="roundRect">
+            <a:avLst/>
+          </a:prstGeom>
+          <a:solidFill>
+            <a:schemeClr val="accent1">
+              <a:lumMod val="20000"/>
+              <a:lumOff val="80000"/>
+            </a:schemeClr>
+          </a:solidFill>
+          <a:ln>
+            <a:noFill/>
+          </a:ln>
+        </p:spPr>
+        <p:style>
+          <a:lnRef idx="2">
+            <a:schemeClr val="accent1">
+              <a:shade val="15000"/>
+            </a:schemeClr>
+          </a:lnRef>
+          <a:fillRef idx="1">
+            <a:schemeClr val="accent1"/>
+          </a:fillRef>
+          <a:effectRef idx="0">
+            <a:schemeClr val="accent1"/>
+          </a:effectRef>
+          <a:fontRef idx="minor">
+            <a:schemeClr val="lt1"/>
+          </a:fontRef>
+        </p:style>
+        <p:txBody>
+          <a:bodyPr rtlCol="0" anchor="ctr"/>
+          <a:lstStyle/>
+          <a:p>
+            <a:pPr algn="ctr"/>
+            <a:endParaRPr lang="ko-KR" altLang="en-US"/>
+          </a:p>
+        </p:txBody>
+      </p:sp>
+    </p:spTree>
+    <p:extLst>
+      <p:ext uri="{BB962C8B-B14F-4D97-AF65-F5344CB8AC3E}">
+        <p14:creationId xmlns:p14="http://schemas.microsoft.com/office/powerpoint/2010/main" val="594017812"/>
+      </p:ext>
+    </p:extLst>
+  </p:cSld>
+  <p:clrMapOvr>
+    <a:masterClrMapping/>
+  </p:clrMapOvr>
+</p:sld>
+</file>
+
 <file path=ppt/slides/slide2.xml><?xml version="1.0" encoding="utf-8"?>
 <p:sld xmlns:a="http://schemas.openxmlformats.org/drawingml/2006/main" xmlns:r="http://schemas.openxmlformats.org/officeDocument/2006/relationships" xmlns:p="http://schemas.openxmlformats.org/presentationml/2006/main">
   <p:cSld>
@@ -3689,7 +3998,7 @@
         <p:spPr>
           <a:xfrm>
             <a:off x="838201" y="2816619"/>
-            <a:ext cx="3266588" cy="3360344"/>
+            <a:ext cx="2181664" cy="3360344"/>
           </a:xfrm>
         </p:spPr>
         <p:txBody>
@@ -3716,17 +4025,17 @@
             </a:pPr>
             <a:r>
               <a:rPr lang="ko-KR" altLang="en-US" dirty="0"/>
-              <a:t>로또</a:t>
-            </a:r>
-          </a:p>
-        </p:txBody>
-      </p:sp>
-      <p:sp>
-        <p:nvSpPr>
-          <p:cNvPr id="9" name="내용 개체 틀 2">
-            <a:extLst>
-              <a:ext uri="{FF2B5EF4-FFF2-40B4-BE49-F238E27FC236}">
-                <a16:creationId xmlns:a16="http://schemas.microsoft.com/office/drawing/2014/main" id="{83BF7E96-D47B-EA04-AFE9-780D686A0060}"/>
+              <a:t>메인 페이지</a:t>
+            </a:r>
+          </a:p>
+        </p:txBody>
+      </p:sp>
+      <p:sp>
+        <p:nvSpPr>
+          <p:cNvPr id="4" name="내용 개체 틀 2">
+            <a:extLst>
+              <a:ext uri="{FF2B5EF4-FFF2-40B4-BE49-F238E27FC236}">
+                <a16:creationId xmlns:a16="http://schemas.microsoft.com/office/drawing/2014/main" id="{6DC77AA9-99EF-1EF3-6A1C-0605ADF34B72}"/>
               </a:ext>
             </a:extLst>
           </p:cNvPr>
@@ -3737,8 +4046,8 @@
         </p:nvSpPr>
         <p:spPr>
           <a:xfrm>
-            <a:off x="4462706" y="2816617"/>
-            <a:ext cx="3266588" cy="3360345"/>
+            <a:off x="3617156" y="2816617"/>
+            <a:ext cx="2181664" cy="3360344"/>
           </a:xfrm>
           <a:prstGeom prst="rect">
             <a:avLst/>
@@ -3936,17 +4245,17 @@
             </a:pPr>
             <a:r>
               <a:rPr lang="ko-KR" altLang="en-US" dirty="0"/>
-              <a:t>가위바위보</a:t>
-            </a:r>
-          </a:p>
-        </p:txBody>
-      </p:sp>
-      <p:sp>
-        <p:nvSpPr>
-          <p:cNvPr id="10" name="내용 개체 틀 2">
-            <a:extLst>
-              <a:ext uri="{FF2B5EF4-FFF2-40B4-BE49-F238E27FC236}">
-                <a16:creationId xmlns:a16="http://schemas.microsoft.com/office/drawing/2014/main" id="{5B1AAC0A-AEB7-7580-61FF-055DFB412DAD}"/>
+              <a:t>로또</a:t>
+            </a:r>
+          </a:p>
+        </p:txBody>
+      </p:sp>
+      <p:sp>
+        <p:nvSpPr>
+          <p:cNvPr id="5" name="내용 개체 틀 2">
+            <a:extLst>
+              <a:ext uri="{FF2B5EF4-FFF2-40B4-BE49-F238E27FC236}">
+                <a16:creationId xmlns:a16="http://schemas.microsoft.com/office/drawing/2014/main" id="{F7A9D8D2-D91B-F5C3-374C-770CD104A673}"/>
               </a:ext>
             </a:extLst>
           </p:cNvPr>
@@ -3957,8 +4266,8 @@
         </p:nvSpPr>
         <p:spPr>
           <a:xfrm>
-            <a:off x="8087211" y="2816617"/>
-            <a:ext cx="3266588" cy="3360345"/>
+            <a:off x="9172135" y="2816617"/>
+            <a:ext cx="2181664" cy="3360344"/>
           </a:xfrm>
           <a:prstGeom prst="rect">
             <a:avLst/>
@@ -4139,7 +4448,7 @@
             </a:pPr>
             <a:r>
               <a:rPr lang="en-US" altLang="ko-KR" dirty="0"/>
-              <a:t>03</a:t>
+              <a:t>04</a:t>
             </a:r>
           </a:p>
           <a:p>
@@ -4159,6 +4468,226 @@
               <a:t>ISSUES</a:t>
             </a:r>
             <a:endParaRPr lang="ko-KR" altLang="en-US" dirty="0"/>
+          </a:p>
+        </p:txBody>
+      </p:sp>
+      <p:sp>
+        <p:nvSpPr>
+          <p:cNvPr id="6" name="내용 개체 틀 2">
+            <a:extLst>
+              <a:ext uri="{FF2B5EF4-FFF2-40B4-BE49-F238E27FC236}">
+                <a16:creationId xmlns:a16="http://schemas.microsoft.com/office/drawing/2014/main" id="{F300FE19-76AE-B7E0-8853-862F2BFA654C}"/>
+              </a:ext>
+            </a:extLst>
+          </p:cNvPr>
+          <p:cNvSpPr txBox="1">
+            <a:spLocks/>
+          </p:cNvSpPr>
+          <p:nvPr/>
+        </p:nvSpPr>
+        <p:spPr>
+          <a:xfrm>
+            <a:off x="6393180" y="2816617"/>
+            <a:ext cx="2181664" cy="3360344"/>
+          </a:xfrm>
+          <a:prstGeom prst="rect">
+            <a:avLst/>
+          </a:prstGeom>
+        </p:spPr>
+        <p:txBody>
+          <a:bodyPr vert="horz" lIns="91440" tIns="45720" rIns="91440" bIns="45720" rtlCol="0">
+            <a:normAutofit/>
+          </a:bodyPr>
+          <a:lstStyle>
+            <a:lvl1pPr marL="228600" indent="-228600" algn="l" defTabSz="914400" rtl="0" eaLnBrk="1" latinLnBrk="1" hangingPunct="1">
+              <a:lnSpc>
+                <a:spcPct val="90000"/>
+              </a:lnSpc>
+              <a:spcBef>
+                <a:spcPts val="1000"/>
+              </a:spcBef>
+              <a:buFont typeface="Arial" panose="020B0604020202020204" pitchFamily="34" charset="0"/>
+              <a:buChar char="•"/>
+              <a:defRPr sz="2800" kern="1200">
+                <a:solidFill>
+                  <a:srgbClr val="002060"/>
+                </a:solidFill>
+                <a:latin typeface="+mn-lt"/>
+                <a:ea typeface="+mn-ea"/>
+                <a:cs typeface="+mn-cs"/>
+              </a:defRPr>
+            </a:lvl1pPr>
+            <a:lvl2pPr marL="685800" indent="-228600" algn="l" defTabSz="914400" rtl="0" eaLnBrk="1" latinLnBrk="1" hangingPunct="1">
+              <a:lnSpc>
+                <a:spcPct val="90000"/>
+              </a:lnSpc>
+              <a:spcBef>
+                <a:spcPts val="500"/>
+              </a:spcBef>
+              <a:buFont typeface="Arial" panose="020B0604020202020204" pitchFamily="34" charset="0"/>
+              <a:buChar char="•"/>
+              <a:defRPr sz="2400" kern="1200">
+                <a:solidFill>
+                  <a:srgbClr val="002060"/>
+                </a:solidFill>
+                <a:latin typeface="+mn-lt"/>
+                <a:ea typeface="+mn-ea"/>
+                <a:cs typeface="+mn-cs"/>
+              </a:defRPr>
+            </a:lvl2pPr>
+            <a:lvl3pPr marL="1143000" indent="-228600" algn="l" defTabSz="914400" rtl="0" eaLnBrk="1" latinLnBrk="1" hangingPunct="1">
+              <a:lnSpc>
+                <a:spcPct val="90000"/>
+              </a:lnSpc>
+              <a:spcBef>
+                <a:spcPts val="500"/>
+              </a:spcBef>
+              <a:buFont typeface="Arial" panose="020B0604020202020204" pitchFamily="34" charset="0"/>
+              <a:buChar char="•"/>
+              <a:defRPr sz="2000" kern="1200">
+                <a:solidFill>
+                  <a:srgbClr val="002060"/>
+                </a:solidFill>
+                <a:latin typeface="+mn-lt"/>
+                <a:ea typeface="+mn-ea"/>
+                <a:cs typeface="+mn-cs"/>
+              </a:defRPr>
+            </a:lvl3pPr>
+            <a:lvl4pPr marL="1600200" indent="-228600" algn="l" defTabSz="914400" rtl="0" eaLnBrk="1" latinLnBrk="1" hangingPunct="1">
+              <a:lnSpc>
+                <a:spcPct val="90000"/>
+              </a:lnSpc>
+              <a:spcBef>
+                <a:spcPts val="500"/>
+              </a:spcBef>
+              <a:buFont typeface="Arial" panose="020B0604020202020204" pitchFamily="34" charset="0"/>
+              <a:buChar char="•"/>
+              <a:defRPr sz="1800" kern="1200">
+                <a:solidFill>
+                  <a:srgbClr val="002060"/>
+                </a:solidFill>
+                <a:latin typeface="+mn-lt"/>
+                <a:ea typeface="+mn-ea"/>
+                <a:cs typeface="+mn-cs"/>
+              </a:defRPr>
+            </a:lvl4pPr>
+            <a:lvl5pPr marL="2057400" indent="-228600" algn="l" defTabSz="914400" rtl="0" eaLnBrk="1" latinLnBrk="1" hangingPunct="1">
+              <a:lnSpc>
+                <a:spcPct val="90000"/>
+              </a:lnSpc>
+              <a:spcBef>
+                <a:spcPts val="500"/>
+              </a:spcBef>
+              <a:buFont typeface="Arial" panose="020B0604020202020204" pitchFamily="34" charset="0"/>
+              <a:buChar char="•"/>
+              <a:defRPr sz="1800" kern="1200">
+                <a:solidFill>
+                  <a:srgbClr val="002060"/>
+                </a:solidFill>
+                <a:latin typeface="+mn-lt"/>
+                <a:ea typeface="+mn-ea"/>
+                <a:cs typeface="+mn-cs"/>
+              </a:defRPr>
+            </a:lvl5pPr>
+            <a:lvl6pPr marL="2514600" indent="-228600" algn="l" defTabSz="914400" rtl="0" eaLnBrk="1" latinLnBrk="1" hangingPunct="1">
+              <a:lnSpc>
+                <a:spcPct val="90000"/>
+              </a:lnSpc>
+              <a:spcBef>
+                <a:spcPts val="500"/>
+              </a:spcBef>
+              <a:buFont typeface="Arial" panose="020B0604020202020204" pitchFamily="34" charset="0"/>
+              <a:buChar char="•"/>
+              <a:defRPr sz="1800" kern="1200">
+                <a:solidFill>
+                  <a:schemeClr val="tx1"/>
+                </a:solidFill>
+                <a:latin typeface="+mn-lt"/>
+                <a:ea typeface="+mn-ea"/>
+                <a:cs typeface="+mn-cs"/>
+              </a:defRPr>
+            </a:lvl6pPr>
+            <a:lvl7pPr marL="2971800" indent="-228600" algn="l" defTabSz="914400" rtl="0" eaLnBrk="1" latinLnBrk="1" hangingPunct="1">
+              <a:lnSpc>
+                <a:spcPct val="90000"/>
+              </a:lnSpc>
+              <a:spcBef>
+                <a:spcPts val="500"/>
+              </a:spcBef>
+              <a:buFont typeface="Arial" panose="020B0604020202020204" pitchFamily="34" charset="0"/>
+              <a:buChar char="•"/>
+              <a:defRPr sz="1800" kern="1200">
+                <a:solidFill>
+                  <a:schemeClr val="tx1"/>
+                </a:solidFill>
+                <a:latin typeface="+mn-lt"/>
+                <a:ea typeface="+mn-ea"/>
+                <a:cs typeface="+mn-cs"/>
+              </a:defRPr>
+            </a:lvl7pPr>
+            <a:lvl8pPr marL="3429000" indent="-228600" algn="l" defTabSz="914400" rtl="0" eaLnBrk="1" latinLnBrk="1" hangingPunct="1">
+              <a:lnSpc>
+                <a:spcPct val="90000"/>
+              </a:lnSpc>
+              <a:spcBef>
+                <a:spcPts val="500"/>
+              </a:spcBef>
+              <a:buFont typeface="Arial" panose="020B0604020202020204" pitchFamily="34" charset="0"/>
+              <a:buChar char="•"/>
+              <a:defRPr sz="1800" kern="1200">
+                <a:solidFill>
+                  <a:schemeClr val="tx1"/>
+                </a:solidFill>
+                <a:latin typeface="+mn-lt"/>
+                <a:ea typeface="+mn-ea"/>
+                <a:cs typeface="+mn-cs"/>
+              </a:defRPr>
+            </a:lvl8pPr>
+            <a:lvl9pPr marL="3886200" indent="-228600" algn="l" defTabSz="914400" rtl="0" eaLnBrk="1" latinLnBrk="1" hangingPunct="1">
+              <a:lnSpc>
+                <a:spcPct val="90000"/>
+              </a:lnSpc>
+              <a:spcBef>
+                <a:spcPts val="500"/>
+              </a:spcBef>
+              <a:buFont typeface="Arial" panose="020B0604020202020204" pitchFamily="34" charset="0"/>
+              <a:buChar char="•"/>
+              <a:defRPr sz="1800" kern="1200">
+                <a:solidFill>
+                  <a:schemeClr val="tx1"/>
+                </a:solidFill>
+                <a:latin typeface="+mn-lt"/>
+                <a:ea typeface="+mn-ea"/>
+                <a:cs typeface="+mn-cs"/>
+              </a:defRPr>
+            </a:lvl9pPr>
+          </a:lstStyle>
+          <a:p>
+            <a:pPr marL="0" indent="0" algn="ctr">
+              <a:buFont typeface="Arial" panose="020B0604020202020204" pitchFamily="34" charset="0"/>
+              <a:buNone/>
+            </a:pPr>
+            <a:r>
+              <a:rPr lang="en-US" altLang="ko-KR" dirty="0"/>
+              <a:t>03</a:t>
+            </a:r>
+          </a:p>
+          <a:p>
+            <a:pPr marL="0" indent="0" algn="ctr">
+              <a:buFont typeface="Arial" panose="020B0604020202020204" pitchFamily="34" charset="0"/>
+              <a:buNone/>
+            </a:pPr>
+            <a:endParaRPr lang="en-US" altLang="ko-KR" dirty="0"/>
+          </a:p>
+          <a:p>
+            <a:pPr marL="0" indent="0" algn="ctr">
+              <a:buFont typeface="Arial" panose="020B0604020202020204" pitchFamily="34" charset="0"/>
+              <a:buNone/>
+            </a:pPr>
+            <a:r>
+              <a:rPr lang="ko-KR" altLang="en-US" dirty="0"/>
+              <a:t>가위바위보</a:t>
+            </a:r>
           </a:p>
         </p:txBody>
       </p:sp>
@@ -4166,6 +4695,3345 @@
     <p:extLst>
       <p:ext uri="{BB962C8B-B14F-4D97-AF65-F5344CB8AC3E}">
         <p14:creationId xmlns:p14="http://schemas.microsoft.com/office/powerpoint/2010/main" val="2589792909"/>
+      </p:ext>
+    </p:extLst>
+  </p:cSld>
+  <p:clrMapOvr>
+    <a:masterClrMapping/>
+  </p:clrMapOvr>
+</p:sld>
+</file>
+
+<file path=ppt/slides/slide3.xml><?xml version="1.0" encoding="utf-8"?>
+<p:sld xmlns:a="http://schemas.openxmlformats.org/drawingml/2006/main" xmlns:r="http://schemas.openxmlformats.org/officeDocument/2006/relationships" xmlns:p="http://schemas.openxmlformats.org/presentationml/2006/main">
+  <p:cSld>
+    <p:spTree>
+      <p:nvGrpSpPr>
+        <p:cNvPr id="1" name=""/>
+        <p:cNvGrpSpPr/>
+        <p:nvPr/>
+      </p:nvGrpSpPr>
+      <p:grpSpPr>
+        <a:xfrm>
+          <a:off x="0" y="0"/>
+          <a:ext cx="0" cy="0"/>
+          <a:chOff x="0" y="0"/>
+          <a:chExt cx="0" cy="0"/>
+        </a:xfrm>
+      </p:grpSpPr>
+      <p:sp>
+        <p:nvSpPr>
+          <p:cNvPr id="4" name="제목 1">
+            <a:extLst>
+              <a:ext uri="{FF2B5EF4-FFF2-40B4-BE49-F238E27FC236}">
+                <a16:creationId xmlns:a16="http://schemas.microsoft.com/office/drawing/2014/main" id="{CA4DE929-50C7-498A-CDBB-D8CDE7FA1798}"/>
+              </a:ext>
+            </a:extLst>
+          </p:cNvPr>
+          <p:cNvSpPr>
+            <a:spLocks noGrp="1"/>
+          </p:cNvSpPr>
+          <p:nvPr>
+            <p:ph type="title"/>
+          </p:nvPr>
+        </p:nvSpPr>
+        <p:spPr>
+          <a:xfrm>
+            <a:off x="838200" y="365126"/>
+            <a:ext cx="10515600" cy="649392"/>
+          </a:xfrm>
+        </p:spPr>
+        <p:txBody>
+          <a:bodyPr>
+            <a:normAutofit/>
+          </a:bodyPr>
+          <a:lstStyle/>
+          <a:p>
+            <a:r>
+              <a:rPr lang="ko-KR" altLang="en-US" sz="3200" dirty="0"/>
+              <a:t>개발 환경</a:t>
+            </a:r>
+          </a:p>
+        </p:txBody>
+      </p:sp>
+      <p:sp>
+        <p:nvSpPr>
+          <p:cNvPr id="5" name="내용 개체 틀 2">
+            <a:extLst>
+              <a:ext uri="{FF2B5EF4-FFF2-40B4-BE49-F238E27FC236}">
+                <a16:creationId xmlns:a16="http://schemas.microsoft.com/office/drawing/2014/main" id="{7150B9A4-1FC4-A130-7BD9-4D11625E7F1A}"/>
+              </a:ext>
+            </a:extLst>
+          </p:cNvPr>
+          <p:cNvSpPr>
+            <a:spLocks noGrp="1"/>
+          </p:cNvSpPr>
+          <p:nvPr>
+            <p:ph idx="1"/>
+          </p:nvPr>
+        </p:nvSpPr>
+        <p:spPr>
+          <a:xfrm>
+            <a:off x="838201" y="2816619"/>
+            <a:ext cx="3266588" cy="3360344"/>
+          </a:xfrm>
+        </p:spPr>
+        <p:txBody>
+          <a:bodyPr/>
+          <a:lstStyle/>
+          <a:p>
+            <a:pPr marL="0" indent="0" algn="ctr">
+              <a:buNone/>
+            </a:pPr>
+            <a:endParaRPr lang="en-US" altLang="ko-KR" dirty="0"/>
+          </a:p>
+          <a:p>
+            <a:pPr marL="0" indent="0" algn="ctr">
+              <a:buNone/>
+            </a:pPr>
+            <a:endParaRPr lang="en-US" altLang="ko-KR" dirty="0"/>
+          </a:p>
+          <a:p>
+            <a:pPr marL="0" indent="0" algn="ctr">
+              <a:buNone/>
+            </a:pPr>
+            <a:r>
+              <a:rPr lang="en-US" altLang="ko-KR" dirty="0" err="1"/>
+              <a:t>VSCode</a:t>
+            </a:r>
+            <a:endParaRPr lang="ko-KR" altLang="en-US" dirty="0"/>
+          </a:p>
+        </p:txBody>
+      </p:sp>
+      <p:sp>
+        <p:nvSpPr>
+          <p:cNvPr id="6" name="내용 개체 틀 2">
+            <a:extLst>
+              <a:ext uri="{FF2B5EF4-FFF2-40B4-BE49-F238E27FC236}">
+                <a16:creationId xmlns:a16="http://schemas.microsoft.com/office/drawing/2014/main" id="{5AFAB72E-61FC-0498-277E-B6F09FE5182D}"/>
+              </a:ext>
+            </a:extLst>
+          </p:cNvPr>
+          <p:cNvSpPr txBox="1">
+            <a:spLocks/>
+          </p:cNvSpPr>
+          <p:nvPr/>
+        </p:nvSpPr>
+        <p:spPr>
+          <a:xfrm>
+            <a:off x="4462706" y="4104810"/>
+            <a:ext cx="3266588" cy="2388064"/>
+          </a:xfrm>
+          <a:prstGeom prst="rect">
+            <a:avLst/>
+          </a:prstGeom>
+        </p:spPr>
+        <p:txBody>
+          <a:bodyPr vert="horz" lIns="91440" tIns="45720" rIns="91440" bIns="45720" rtlCol="0">
+            <a:normAutofit/>
+          </a:bodyPr>
+          <a:lstStyle>
+            <a:lvl1pPr marL="228600" indent="-228600" algn="l" defTabSz="914400" rtl="0" eaLnBrk="1" latinLnBrk="1" hangingPunct="1">
+              <a:lnSpc>
+                <a:spcPct val="90000"/>
+              </a:lnSpc>
+              <a:spcBef>
+                <a:spcPts val="1000"/>
+              </a:spcBef>
+              <a:buFont typeface="Arial" panose="020B0604020202020204" pitchFamily="34" charset="0"/>
+              <a:buChar char="•"/>
+              <a:defRPr sz="2800" kern="1200">
+                <a:solidFill>
+                  <a:srgbClr val="002060"/>
+                </a:solidFill>
+                <a:latin typeface="+mn-lt"/>
+                <a:ea typeface="+mn-ea"/>
+                <a:cs typeface="+mn-cs"/>
+              </a:defRPr>
+            </a:lvl1pPr>
+            <a:lvl2pPr marL="685800" indent="-228600" algn="l" defTabSz="914400" rtl="0" eaLnBrk="1" latinLnBrk="1" hangingPunct="1">
+              <a:lnSpc>
+                <a:spcPct val="90000"/>
+              </a:lnSpc>
+              <a:spcBef>
+                <a:spcPts val="500"/>
+              </a:spcBef>
+              <a:buFont typeface="Arial" panose="020B0604020202020204" pitchFamily="34" charset="0"/>
+              <a:buChar char="•"/>
+              <a:defRPr sz="2400" kern="1200">
+                <a:solidFill>
+                  <a:srgbClr val="002060"/>
+                </a:solidFill>
+                <a:latin typeface="+mn-lt"/>
+                <a:ea typeface="+mn-ea"/>
+                <a:cs typeface="+mn-cs"/>
+              </a:defRPr>
+            </a:lvl2pPr>
+            <a:lvl3pPr marL="1143000" indent="-228600" algn="l" defTabSz="914400" rtl="0" eaLnBrk="1" latinLnBrk="1" hangingPunct="1">
+              <a:lnSpc>
+                <a:spcPct val="90000"/>
+              </a:lnSpc>
+              <a:spcBef>
+                <a:spcPts val="500"/>
+              </a:spcBef>
+              <a:buFont typeface="Arial" panose="020B0604020202020204" pitchFamily="34" charset="0"/>
+              <a:buChar char="•"/>
+              <a:defRPr sz="2000" kern="1200">
+                <a:solidFill>
+                  <a:srgbClr val="002060"/>
+                </a:solidFill>
+                <a:latin typeface="+mn-lt"/>
+                <a:ea typeface="+mn-ea"/>
+                <a:cs typeface="+mn-cs"/>
+              </a:defRPr>
+            </a:lvl3pPr>
+            <a:lvl4pPr marL="1600200" indent="-228600" algn="l" defTabSz="914400" rtl="0" eaLnBrk="1" latinLnBrk="1" hangingPunct="1">
+              <a:lnSpc>
+                <a:spcPct val="90000"/>
+              </a:lnSpc>
+              <a:spcBef>
+                <a:spcPts val="500"/>
+              </a:spcBef>
+              <a:buFont typeface="Arial" panose="020B0604020202020204" pitchFamily="34" charset="0"/>
+              <a:buChar char="•"/>
+              <a:defRPr sz="1800" kern="1200">
+                <a:solidFill>
+                  <a:srgbClr val="002060"/>
+                </a:solidFill>
+                <a:latin typeface="+mn-lt"/>
+                <a:ea typeface="+mn-ea"/>
+                <a:cs typeface="+mn-cs"/>
+              </a:defRPr>
+            </a:lvl4pPr>
+            <a:lvl5pPr marL="2057400" indent="-228600" algn="l" defTabSz="914400" rtl="0" eaLnBrk="1" latinLnBrk="1" hangingPunct="1">
+              <a:lnSpc>
+                <a:spcPct val="90000"/>
+              </a:lnSpc>
+              <a:spcBef>
+                <a:spcPts val="500"/>
+              </a:spcBef>
+              <a:buFont typeface="Arial" panose="020B0604020202020204" pitchFamily="34" charset="0"/>
+              <a:buChar char="•"/>
+              <a:defRPr sz="1800" kern="1200">
+                <a:solidFill>
+                  <a:srgbClr val="002060"/>
+                </a:solidFill>
+                <a:latin typeface="+mn-lt"/>
+                <a:ea typeface="+mn-ea"/>
+                <a:cs typeface="+mn-cs"/>
+              </a:defRPr>
+            </a:lvl5pPr>
+            <a:lvl6pPr marL="2514600" indent="-228600" algn="l" defTabSz="914400" rtl="0" eaLnBrk="1" latinLnBrk="1" hangingPunct="1">
+              <a:lnSpc>
+                <a:spcPct val="90000"/>
+              </a:lnSpc>
+              <a:spcBef>
+                <a:spcPts val="500"/>
+              </a:spcBef>
+              <a:buFont typeface="Arial" panose="020B0604020202020204" pitchFamily="34" charset="0"/>
+              <a:buChar char="•"/>
+              <a:defRPr sz="1800" kern="1200">
+                <a:solidFill>
+                  <a:schemeClr val="tx1"/>
+                </a:solidFill>
+                <a:latin typeface="+mn-lt"/>
+                <a:ea typeface="+mn-ea"/>
+                <a:cs typeface="+mn-cs"/>
+              </a:defRPr>
+            </a:lvl6pPr>
+            <a:lvl7pPr marL="2971800" indent="-228600" algn="l" defTabSz="914400" rtl="0" eaLnBrk="1" latinLnBrk="1" hangingPunct="1">
+              <a:lnSpc>
+                <a:spcPct val="90000"/>
+              </a:lnSpc>
+              <a:spcBef>
+                <a:spcPts val="500"/>
+              </a:spcBef>
+              <a:buFont typeface="Arial" panose="020B0604020202020204" pitchFamily="34" charset="0"/>
+              <a:buChar char="•"/>
+              <a:defRPr sz="1800" kern="1200">
+                <a:solidFill>
+                  <a:schemeClr val="tx1"/>
+                </a:solidFill>
+                <a:latin typeface="+mn-lt"/>
+                <a:ea typeface="+mn-ea"/>
+                <a:cs typeface="+mn-cs"/>
+              </a:defRPr>
+            </a:lvl7pPr>
+            <a:lvl8pPr marL="3429000" indent="-228600" algn="l" defTabSz="914400" rtl="0" eaLnBrk="1" latinLnBrk="1" hangingPunct="1">
+              <a:lnSpc>
+                <a:spcPct val="90000"/>
+              </a:lnSpc>
+              <a:spcBef>
+                <a:spcPts val="500"/>
+              </a:spcBef>
+              <a:buFont typeface="Arial" panose="020B0604020202020204" pitchFamily="34" charset="0"/>
+              <a:buChar char="•"/>
+              <a:defRPr sz="1800" kern="1200">
+                <a:solidFill>
+                  <a:schemeClr val="tx1"/>
+                </a:solidFill>
+                <a:latin typeface="+mn-lt"/>
+                <a:ea typeface="+mn-ea"/>
+                <a:cs typeface="+mn-cs"/>
+              </a:defRPr>
+            </a:lvl8pPr>
+            <a:lvl9pPr marL="3886200" indent="-228600" algn="l" defTabSz="914400" rtl="0" eaLnBrk="1" latinLnBrk="1" hangingPunct="1">
+              <a:lnSpc>
+                <a:spcPct val="90000"/>
+              </a:lnSpc>
+              <a:spcBef>
+                <a:spcPts val="500"/>
+              </a:spcBef>
+              <a:buFont typeface="Arial" panose="020B0604020202020204" pitchFamily="34" charset="0"/>
+              <a:buChar char="•"/>
+              <a:defRPr sz="1800" kern="1200">
+                <a:solidFill>
+                  <a:schemeClr val="tx1"/>
+                </a:solidFill>
+                <a:latin typeface="+mn-lt"/>
+                <a:ea typeface="+mn-ea"/>
+                <a:cs typeface="+mn-cs"/>
+              </a:defRPr>
+            </a:lvl9pPr>
+          </a:lstStyle>
+          <a:p>
+            <a:pPr marL="0" indent="0" algn="ctr">
+              <a:buFont typeface="Arial" panose="020B0604020202020204" pitchFamily="34" charset="0"/>
+              <a:buNone/>
+            </a:pPr>
+            <a:endParaRPr lang="en-US" altLang="ko-KR" dirty="0"/>
+          </a:p>
+          <a:p>
+            <a:pPr marL="0" indent="0" algn="ctr">
+              <a:buFont typeface="Arial" panose="020B0604020202020204" pitchFamily="34" charset="0"/>
+              <a:buNone/>
+            </a:pPr>
+            <a:endParaRPr lang="en-US" altLang="ko-KR" dirty="0"/>
+          </a:p>
+          <a:p>
+            <a:pPr marL="0" indent="0" algn="ctr">
+              <a:buFont typeface="Arial" panose="020B0604020202020204" pitchFamily="34" charset="0"/>
+              <a:buNone/>
+            </a:pPr>
+            <a:r>
+              <a:rPr lang="en-US" altLang="ko-KR" dirty="0"/>
+              <a:t>CSS3</a:t>
+            </a:r>
+            <a:endParaRPr lang="ko-KR" altLang="en-US" dirty="0"/>
+          </a:p>
+        </p:txBody>
+      </p:sp>
+      <p:pic>
+        <p:nvPicPr>
+          <p:cNvPr id="9" name="그림 8">
+            <a:extLst>
+              <a:ext uri="{FF2B5EF4-FFF2-40B4-BE49-F238E27FC236}">
+                <a16:creationId xmlns:a16="http://schemas.microsoft.com/office/drawing/2014/main" id="{BC509880-F1BF-1F23-9E1E-6735EE582792}"/>
+              </a:ext>
+            </a:extLst>
+          </p:cNvPr>
+          <p:cNvPicPr>
+            <a:picLocks noChangeAspect="1"/>
+          </p:cNvPicPr>
+          <p:nvPr/>
+        </p:nvPicPr>
+        <p:blipFill>
+          <a:blip r:embed="rId2">
+            <a:extLst>
+              <a:ext uri="{28A0092B-C50C-407E-A947-70E740481C1C}">
+                <a14:useLocalDpi xmlns:a14="http://schemas.microsoft.com/office/drawing/2010/main" val="0"/>
+              </a:ext>
+            </a:extLst>
+          </a:blip>
+          <a:stretch>
+            <a:fillRect/>
+          </a:stretch>
+        </p:blipFill>
+        <p:spPr>
+          <a:xfrm>
+            <a:off x="1564359" y="2298895"/>
+            <a:ext cx="1812926" cy="1812926"/>
+          </a:xfrm>
+          <a:prstGeom prst="rect">
+            <a:avLst/>
+          </a:prstGeom>
+        </p:spPr>
+      </p:pic>
+      <p:sp>
+        <p:nvSpPr>
+          <p:cNvPr id="10" name="내용 개체 틀 2">
+            <a:extLst>
+              <a:ext uri="{FF2B5EF4-FFF2-40B4-BE49-F238E27FC236}">
+                <a16:creationId xmlns:a16="http://schemas.microsoft.com/office/drawing/2014/main" id="{F68A8F54-9901-6579-9677-7E03BC5D8A11}"/>
+              </a:ext>
+            </a:extLst>
+          </p:cNvPr>
+          <p:cNvSpPr txBox="1">
+            <a:spLocks/>
+          </p:cNvSpPr>
+          <p:nvPr/>
+        </p:nvSpPr>
+        <p:spPr>
+          <a:xfrm>
+            <a:off x="4462706" y="1716746"/>
+            <a:ext cx="3266588" cy="2388064"/>
+          </a:xfrm>
+          <a:prstGeom prst="rect">
+            <a:avLst/>
+          </a:prstGeom>
+        </p:spPr>
+        <p:txBody>
+          <a:bodyPr vert="horz" lIns="91440" tIns="45720" rIns="91440" bIns="45720" rtlCol="0">
+            <a:normAutofit/>
+          </a:bodyPr>
+          <a:lstStyle>
+            <a:lvl1pPr marL="228600" indent="-228600" algn="l" defTabSz="914400" rtl="0" eaLnBrk="1" latinLnBrk="1" hangingPunct="1">
+              <a:lnSpc>
+                <a:spcPct val="90000"/>
+              </a:lnSpc>
+              <a:spcBef>
+                <a:spcPts val="1000"/>
+              </a:spcBef>
+              <a:buFont typeface="Arial" panose="020B0604020202020204" pitchFamily="34" charset="0"/>
+              <a:buChar char="•"/>
+              <a:defRPr sz="2800" kern="1200">
+                <a:solidFill>
+                  <a:srgbClr val="002060"/>
+                </a:solidFill>
+                <a:latin typeface="+mn-lt"/>
+                <a:ea typeface="+mn-ea"/>
+                <a:cs typeface="+mn-cs"/>
+              </a:defRPr>
+            </a:lvl1pPr>
+            <a:lvl2pPr marL="685800" indent="-228600" algn="l" defTabSz="914400" rtl="0" eaLnBrk="1" latinLnBrk="1" hangingPunct="1">
+              <a:lnSpc>
+                <a:spcPct val="90000"/>
+              </a:lnSpc>
+              <a:spcBef>
+                <a:spcPts val="500"/>
+              </a:spcBef>
+              <a:buFont typeface="Arial" panose="020B0604020202020204" pitchFamily="34" charset="0"/>
+              <a:buChar char="•"/>
+              <a:defRPr sz="2400" kern="1200">
+                <a:solidFill>
+                  <a:srgbClr val="002060"/>
+                </a:solidFill>
+                <a:latin typeface="+mn-lt"/>
+                <a:ea typeface="+mn-ea"/>
+                <a:cs typeface="+mn-cs"/>
+              </a:defRPr>
+            </a:lvl2pPr>
+            <a:lvl3pPr marL="1143000" indent="-228600" algn="l" defTabSz="914400" rtl="0" eaLnBrk="1" latinLnBrk="1" hangingPunct="1">
+              <a:lnSpc>
+                <a:spcPct val="90000"/>
+              </a:lnSpc>
+              <a:spcBef>
+                <a:spcPts val="500"/>
+              </a:spcBef>
+              <a:buFont typeface="Arial" panose="020B0604020202020204" pitchFamily="34" charset="0"/>
+              <a:buChar char="•"/>
+              <a:defRPr sz="2000" kern="1200">
+                <a:solidFill>
+                  <a:srgbClr val="002060"/>
+                </a:solidFill>
+                <a:latin typeface="+mn-lt"/>
+                <a:ea typeface="+mn-ea"/>
+                <a:cs typeface="+mn-cs"/>
+              </a:defRPr>
+            </a:lvl3pPr>
+            <a:lvl4pPr marL="1600200" indent="-228600" algn="l" defTabSz="914400" rtl="0" eaLnBrk="1" latinLnBrk="1" hangingPunct="1">
+              <a:lnSpc>
+                <a:spcPct val="90000"/>
+              </a:lnSpc>
+              <a:spcBef>
+                <a:spcPts val="500"/>
+              </a:spcBef>
+              <a:buFont typeface="Arial" panose="020B0604020202020204" pitchFamily="34" charset="0"/>
+              <a:buChar char="•"/>
+              <a:defRPr sz="1800" kern="1200">
+                <a:solidFill>
+                  <a:srgbClr val="002060"/>
+                </a:solidFill>
+                <a:latin typeface="+mn-lt"/>
+                <a:ea typeface="+mn-ea"/>
+                <a:cs typeface="+mn-cs"/>
+              </a:defRPr>
+            </a:lvl4pPr>
+            <a:lvl5pPr marL="2057400" indent="-228600" algn="l" defTabSz="914400" rtl="0" eaLnBrk="1" latinLnBrk="1" hangingPunct="1">
+              <a:lnSpc>
+                <a:spcPct val="90000"/>
+              </a:lnSpc>
+              <a:spcBef>
+                <a:spcPts val="500"/>
+              </a:spcBef>
+              <a:buFont typeface="Arial" panose="020B0604020202020204" pitchFamily="34" charset="0"/>
+              <a:buChar char="•"/>
+              <a:defRPr sz="1800" kern="1200">
+                <a:solidFill>
+                  <a:srgbClr val="002060"/>
+                </a:solidFill>
+                <a:latin typeface="+mn-lt"/>
+                <a:ea typeface="+mn-ea"/>
+                <a:cs typeface="+mn-cs"/>
+              </a:defRPr>
+            </a:lvl5pPr>
+            <a:lvl6pPr marL="2514600" indent="-228600" algn="l" defTabSz="914400" rtl="0" eaLnBrk="1" latinLnBrk="1" hangingPunct="1">
+              <a:lnSpc>
+                <a:spcPct val="90000"/>
+              </a:lnSpc>
+              <a:spcBef>
+                <a:spcPts val="500"/>
+              </a:spcBef>
+              <a:buFont typeface="Arial" panose="020B0604020202020204" pitchFamily="34" charset="0"/>
+              <a:buChar char="•"/>
+              <a:defRPr sz="1800" kern="1200">
+                <a:solidFill>
+                  <a:schemeClr val="tx1"/>
+                </a:solidFill>
+                <a:latin typeface="+mn-lt"/>
+                <a:ea typeface="+mn-ea"/>
+                <a:cs typeface="+mn-cs"/>
+              </a:defRPr>
+            </a:lvl6pPr>
+            <a:lvl7pPr marL="2971800" indent="-228600" algn="l" defTabSz="914400" rtl="0" eaLnBrk="1" latinLnBrk="1" hangingPunct="1">
+              <a:lnSpc>
+                <a:spcPct val="90000"/>
+              </a:lnSpc>
+              <a:spcBef>
+                <a:spcPts val="500"/>
+              </a:spcBef>
+              <a:buFont typeface="Arial" panose="020B0604020202020204" pitchFamily="34" charset="0"/>
+              <a:buChar char="•"/>
+              <a:defRPr sz="1800" kern="1200">
+                <a:solidFill>
+                  <a:schemeClr val="tx1"/>
+                </a:solidFill>
+                <a:latin typeface="+mn-lt"/>
+                <a:ea typeface="+mn-ea"/>
+                <a:cs typeface="+mn-cs"/>
+              </a:defRPr>
+            </a:lvl7pPr>
+            <a:lvl8pPr marL="3429000" indent="-228600" algn="l" defTabSz="914400" rtl="0" eaLnBrk="1" latinLnBrk="1" hangingPunct="1">
+              <a:lnSpc>
+                <a:spcPct val="90000"/>
+              </a:lnSpc>
+              <a:spcBef>
+                <a:spcPts val="500"/>
+              </a:spcBef>
+              <a:buFont typeface="Arial" panose="020B0604020202020204" pitchFamily="34" charset="0"/>
+              <a:buChar char="•"/>
+              <a:defRPr sz="1800" kern="1200">
+                <a:solidFill>
+                  <a:schemeClr val="tx1"/>
+                </a:solidFill>
+                <a:latin typeface="+mn-lt"/>
+                <a:ea typeface="+mn-ea"/>
+                <a:cs typeface="+mn-cs"/>
+              </a:defRPr>
+            </a:lvl8pPr>
+            <a:lvl9pPr marL="3886200" indent="-228600" algn="l" defTabSz="914400" rtl="0" eaLnBrk="1" latinLnBrk="1" hangingPunct="1">
+              <a:lnSpc>
+                <a:spcPct val="90000"/>
+              </a:lnSpc>
+              <a:spcBef>
+                <a:spcPts val="500"/>
+              </a:spcBef>
+              <a:buFont typeface="Arial" panose="020B0604020202020204" pitchFamily="34" charset="0"/>
+              <a:buChar char="•"/>
+              <a:defRPr sz="1800" kern="1200">
+                <a:solidFill>
+                  <a:schemeClr val="tx1"/>
+                </a:solidFill>
+                <a:latin typeface="+mn-lt"/>
+                <a:ea typeface="+mn-ea"/>
+                <a:cs typeface="+mn-cs"/>
+              </a:defRPr>
+            </a:lvl9pPr>
+          </a:lstStyle>
+          <a:p>
+            <a:pPr marL="0" indent="0" algn="ctr">
+              <a:buFont typeface="Arial" panose="020B0604020202020204" pitchFamily="34" charset="0"/>
+              <a:buNone/>
+            </a:pPr>
+            <a:endParaRPr lang="en-US" altLang="ko-KR" dirty="0"/>
+          </a:p>
+          <a:p>
+            <a:pPr marL="0" indent="0" algn="ctr">
+              <a:buFont typeface="Arial" panose="020B0604020202020204" pitchFamily="34" charset="0"/>
+              <a:buNone/>
+            </a:pPr>
+            <a:endParaRPr lang="en-US" altLang="ko-KR" dirty="0"/>
+          </a:p>
+          <a:p>
+            <a:pPr marL="0" indent="0" algn="ctr">
+              <a:buFont typeface="Arial" panose="020B0604020202020204" pitchFamily="34" charset="0"/>
+              <a:buNone/>
+            </a:pPr>
+            <a:r>
+              <a:rPr lang="en-US" altLang="ko-KR" dirty="0"/>
+              <a:t>HTML5</a:t>
+            </a:r>
+            <a:endParaRPr lang="ko-KR" altLang="en-US" dirty="0"/>
+          </a:p>
+        </p:txBody>
+      </p:sp>
+      <p:sp>
+        <p:nvSpPr>
+          <p:cNvPr id="11" name="내용 개체 틀 2">
+            <a:extLst>
+              <a:ext uri="{FF2B5EF4-FFF2-40B4-BE49-F238E27FC236}">
+                <a16:creationId xmlns:a16="http://schemas.microsoft.com/office/drawing/2014/main" id="{C6CA34FE-68C1-52FA-9960-B1DF8A869421}"/>
+              </a:ext>
+            </a:extLst>
+          </p:cNvPr>
+          <p:cNvSpPr txBox="1">
+            <a:spLocks/>
+          </p:cNvSpPr>
+          <p:nvPr/>
+        </p:nvSpPr>
+        <p:spPr>
+          <a:xfrm>
+            <a:off x="7729294" y="4104810"/>
+            <a:ext cx="3266588" cy="2388064"/>
+          </a:xfrm>
+          <a:prstGeom prst="rect">
+            <a:avLst/>
+          </a:prstGeom>
+        </p:spPr>
+        <p:txBody>
+          <a:bodyPr vert="horz" lIns="91440" tIns="45720" rIns="91440" bIns="45720" rtlCol="0">
+            <a:normAutofit/>
+          </a:bodyPr>
+          <a:lstStyle>
+            <a:lvl1pPr marL="228600" indent="-228600" algn="l" defTabSz="914400" rtl="0" eaLnBrk="1" latinLnBrk="1" hangingPunct="1">
+              <a:lnSpc>
+                <a:spcPct val="90000"/>
+              </a:lnSpc>
+              <a:spcBef>
+                <a:spcPts val="1000"/>
+              </a:spcBef>
+              <a:buFont typeface="Arial" panose="020B0604020202020204" pitchFamily="34" charset="0"/>
+              <a:buChar char="•"/>
+              <a:defRPr sz="2800" kern="1200">
+                <a:solidFill>
+                  <a:srgbClr val="002060"/>
+                </a:solidFill>
+                <a:latin typeface="+mn-lt"/>
+                <a:ea typeface="+mn-ea"/>
+                <a:cs typeface="+mn-cs"/>
+              </a:defRPr>
+            </a:lvl1pPr>
+            <a:lvl2pPr marL="685800" indent="-228600" algn="l" defTabSz="914400" rtl="0" eaLnBrk="1" latinLnBrk="1" hangingPunct="1">
+              <a:lnSpc>
+                <a:spcPct val="90000"/>
+              </a:lnSpc>
+              <a:spcBef>
+                <a:spcPts val="500"/>
+              </a:spcBef>
+              <a:buFont typeface="Arial" panose="020B0604020202020204" pitchFamily="34" charset="0"/>
+              <a:buChar char="•"/>
+              <a:defRPr sz="2400" kern="1200">
+                <a:solidFill>
+                  <a:srgbClr val="002060"/>
+                </a:solidFill>
+                <a:latin typeface="+mn-lt"/>
+                <a:ea typeface="+mn-ea"/>
+                <a:cs typeface="+mn-cs"/>
+              </a:defRPr>
+            </a:lvl2pPr>
+            <a:lvl3pPr marL="1143000" indent="-228600" algn="l" defTabSz="914400" rtl="0" eaLnBrk="1" latinLnBrk="1" hangingPunct="1">
+              <a:lnSpc>
+                <a:spcPct val="90000"/>
+              </a:lnSpc>
+              <a:spcBef>
+                <a:spcPts val="500"/>
+              </a:spcBef>
+              <a:buFont typeface="Arial" panose="020B0604020202020204" pitchFamily="34" charset="0"/>
+              <a:buChar char="•"/>
+              <a:defRPr sz="2000" kern="1200">
+                <a:solidFill>
+                  <a:srgbClr val="002060"/>
+                </a:solidFill>
+                <a:latin typeface="+mn-lt"/>
+                <a:ea typeface="+mn-ea"/>
+                <a:cs typeface="+mn-cs"/>
+              </a:defRPr>
+            </a:lvl3pPr>
+            <a:lvl4pPr marL="1600200" indent="-228600" algn="l" defTabSz="914400" rtl="0" eaLnBrk="1" latinLnBrk="1" hangingPunct="1">
+              <a:lnSpc>
+                <a:spcPct val="90000"/>
+              </a:lnSpc>
+              <a:spcBef>
+                <a:spcPts val="500"/>
+              </a:spcBef>
+              <a:buFont typeface="Arial" panose="020B0604020202020204" pitchFamily="34" charset="0"/>
+              <a:buChar char="•"/>
+              <a:defRPr sz="1800" kern="1200">
+                <a:solidFill>
+                  <a:srgbClr val="002060"/>
+                </a:solidFill>
+                <a:latin typeface="+mn-lt"/>
+                <a:ea typeface="+mn-ea"/>
+                <a:cs typeface="+mn-cs"/>
+              </a:defRPr>
+            </a:lvl4pPr>
+            <a:lvl5pPr marL="2057400" indent="-228600" algn="l" defTabSz="914400" rtl="0" eaLnBrk="1" latinLnBrk="1" hangingPunct="1">
+              <a:lnSpc>
+                <a:spcPct val="90000"/>
+              </a:lnSpc>
+              <a:spcBef>
+                <a:spcPts val="500"/>
+              </a:spcBef>
+              <a:buFont typeface="Arial" panose="020B0604020202020204" pitchFamily="34" charset="0"/>
+              <a:buChar char="•"/>
+              <a:defRPr sz="1800" kern="1200">
+                <a:solidFill>
+                  <a:srgbClr val="002060"/>
+                </a:solidFill>
+                <a:latin typeface="+mn-lt"/>
+                <a:ea typeface="+mn-ea"/>
+                <a:cs typeface="+mn-cs"/>
+              </a:defRPr>
+            </a:lvl5pPr>
+            <a:lvl6pPr marL="2514600" indent="-228600" algn="l" defTabSz="914400" rtl="0" eaLnBrk="1" latinLnBrk="1" hangingPunct="1">
+              <a:lnSpc>
+                <a:spcPct val="90000"/>
+              </a:lnSpc>
+              <a:spcBef>
+                <a:spcPts val="500"/>
+              </a:spcBef>
+              <a:buFont typeface="Arial" panose="020B0604020202020204" pitchFamily="34" charset="0"/>
+              <a:buChar char="•"/>
+              <a:defRPr sz="1800" kern="1200">
+                <a:solidFill>
+                  <a:schemeClr val="tx1"/>
+                </a:solidFill>
+                <a:latin typeface="+mn-lt"/>
+                <a:ea typeface="+mn-ea"/>
+                <a:cs typeface="+mn-cs"/>
+              </a:defRPr>
+            </a:lvl6pPr>
+            <a:lvl7pPr marL="2971800" indent="-228600" algn="l" defTabSz="914400" rtl="0" eaLnBrk="1" latinLnBrk="1" hangingPunct="1">
+              <a:lnSpc>
+                <a:spcPct val="90000"/>
+              </a:lnSpc>
+              <a:spcBef>
+                <a:spcPts val="500"/>
+              </a:spcBef>
+              <a:buFont typeface="Arial" panose="020B0604020202020204" pitchFamily="34" charset="0"/>
+              <a:buChar char="•"/>
+              <a:defRPr sz="1800" kern="1200">
+                <a:solidFill>
+                  <a:schemeClr val="tx1"/>
+                </a:solidFill>
+                <a:latin typeface="+mn-lt"/>
+                <a:ea typeface="+mn-ea"/>
+                <a:cs typeface="+mn-cs"/>
+              </a:defRPr>
+            </a:lvl7pPr>
+            <a:lvl8pPr marL="3429000" indent="-228600" algn="l" defTabSz="914400" rtl="0" eaLnBrk="1" latinLnBrk="1" hangingPunct="1">
+              <a:lnSpc>
+                <a:spcPct val="90000"/>
+              </a:lnSpc>
+              <a:spcBef>
+                <a:spcPts val="500"/>
+              </a:spcBef>
+              <a:buFont typeface="Arial" panose="020B0604020202020204" pitchFamily="34" charset="0"/>
+              <a:buChar char="•"/>
+              <a:defRPr sz="1800" kern="1200">
+                <a:solidFill>
+                  <a:schemeClr val="tx1"/>
+                </a:solidFill>
+                <a:latin typeface="+mn-lt"/>
+                <a:ea typeface="+mn-ea"/>
+                <a:cs typeface="+mn-cs"/>
+              </a:defRPr>
+            </a:lvl8pPr>
+            <a:lvl9pPr marL="3886200" indent="-228600" algn="l" defTabSz="914400" rtl="0" eaLnBrk="1" latinLnBrk="1" hangingPunct="1">
+              <a:lnSpc>
+                <a:spcPct val="90000"/>
+              </a:lnSpc>
+              <a:spcBef>
+                <a:spcPts val="500"/>
+              </a:spcBef>
+              <a:buFont typeface="Arial" panose="020B0604020202020204" pitchFamily="34" charset="0"/>
+              <a:buChar char="•"/>
+              <a:defRPr sz="1800" kern="1200">
+                <a:solidFill>
+                  <a:schemeClr val="tx1"/>
+                </a:solidFill>
+                <a:latin typeface="+mn-lt"/>
+                <a:ea typeface="+mn-ea"/>
+                <a:cs typeface="+mn-cs"/>
+              </a:defRPr>
+            </a:lvl9pPr>
+          </a:lstStyle>
+          <a:p>
+            <a:pPr marL="0" indent="0" algn="ctr">
+              <a:buFont typeface="Arial" panose="020B0604020202020204" pitchFamily="34" charset="0"/>
+              <a:buNone/>
+            </a:pPr>
+            <a:endParaRPr lang="en-US" altLang="ko-KR" dirty="0"/>
+          </a:p>
+          <a:p>
+            <a:pPr marL="0" indent="0" algn="ctr">
+              <a:buFont typeface="Arial" panose="020B0604020202020204" pitchFamily="34" charset="0"/>
+              <a:buNone/>
+            </a:pPr>
+            <a:endParaRPr lang="en-US" altLang="ko-KR" dirty="0"/>
+          </a:p>
+          <a:p>
+            <a:pPr marL="0" indent="0" algn="ctr">
+              <a:buFont typeface="Arial" panose="020B0604020202020204" pitchFamily="34" charset="0"/>
+              <a:buNone/>
+            </a:pPr>
+            <a:r>
+              <a:rPr lang="en-US" altLang="ko-KR" dirty="0" err="1"/>
+              <a:t>BootStrap</a:t>
+            </a:r>
+            <a:endParaRPr lang="ko-KR" altLang="en-US" dirty="0"/>
+          </a:p>
+        </p:txBody>
+      </p:sp>
+      <p:sp>
+        <p:nvSpPr>
+          <p:cNvPr id="12" name="내용 개체 틀 2">
+            <a:extLst>
+              <a:ext uri="{FF2B5EF4-FFF2-40B4-BE49-F238E27FC236}">
+                <a16:creationId xmlns:a16="http://schemas.microsoft.com/office/drawing/2014/main" id="{D3E96823-556B-144D-BE1D-63CED5B431F6}"/>
+              </a:ext>
+            </a:extLst>
+          </p:cNvPr>
+          <p:cNvSpPr txBox="1">
+            <a:spLocks/>
+          </p:cNvSpPr>
+          <p:nvPr/>
+        </p:nvSpPr>
+        <p:spPr>
+          <a:xfrm>
+            <a:off x="7729294" y="1716746"/>
+            <a:ext cx="3266588" cy="2388064"/>
+          </a:xfrm>
+          <a:prstGeom prst="rect">
+            <a:avLst/>
+          </a:prstGeom>
+        </p:spPr>
+        <p:txBody>
+          <a:bodyPr vert="horz" lIns="91440" tIns="45720" rIns="91440" bIns="45720" rtlCol="0">
+            <a:normAutofit/>
+          </a:bodyPr>
+          <a:lstStyle>
+            <a:lvl1pPr marL="228600" indent="-228600" algn="l" defTabSz="914400" rtl="0" eaLnBrk="1" latinLnBrk="1" hangingPunct="1">
+              <a:lnSpc>
+                <a:spcPct val="90000"/>
+              </a:lnSpc>
+              <a:spcBef>
+                <a:spcPts val="1000"/>
+              </a:spcBef>
+              <a:buFont typeface="Arial" panose="020B0604020202020204" pitchFamily="34" charset="0"/>
+              <a:buChar char="•"/>
+              <a:defRPr sz="2800" kern="1200">
+                <a:solidFill>
+                  <a:srgbClr val="002060"/>
+                </a:solidFill>
+                <a:latin typeface="+mn-lt"/>
+                <a:ea typeface="+mn-ea"/>
+                <a:cs typeface="+mn-cs"/>
+              </a:defRPr>
+            </a:lvl1pPr>
+            <a:lvl2pPr marL="685800" indent="-228600" algn="l" defTabSz="914400" rtl="0" eaLnBrk="1" latinLnBrk="1" hangingPunct="1">
+              <a:lnSpc>
+                <a:spcPct val="90000"/>
+              </a:lnSpc>
+              <a:spcBef>
+                <a:spcPts val="500"/>
+              </a:spcBef>
+              <a:buFont typeface="Arial" panose="020B0604020202020204" pitchFamily="34" charset="0"/>
+              <a:buChar char="•"/>
+              <a:defRPr sz="2400" kern="1200">
+                <a:solidFill>
+                  <a:srgbClr val="002060"/>
+                </a:solidFill>
+                <a:latin typeface="+mn-lt"/>
+                <a:ea typeface="+mn-ea"/>
+                <a:cs typeface="+mn-cs"/>
+              </a:defRPr>
+            </a:lvl2pPr>
+            <a:lvl3pPr marL="1143000" indent="-228600" algn="l" defTabSz="914400" rtl="0" eaLnBrk="1" latinLnBrk="1" hangingPunct="1">
+              <a:lnSpc>
+                <a:spcPct val="90000"/>
+              </a:lnSpc>
+              <a:spcBef>
+                <a:spcPts val="500"/>
+              </a:spcBef>
+              <a:buFont typeface="Arial" panose="020B0604020202020204" pitchFamily="34" charset="0"/>
+              <a:buChar char="•"/>
+              <a:defRPr sz="2000" kern="1200">
+                <a:solidFill>
+                  <a:srgbClr val="002060"/>
+                </a:solidFill>
+                <a:latin typeface="+mn-lt"/>
+                <a:ea typeface="+mn-ea"/>
+                <a:cs typeface="+mn-cs"/>
+              </a:defRPr>
+            </a:lvl3pPr>
+            <a:lvl4pPr marL="1600200" indent="-228600" algn="l" defTabSz="914400" rtl="0" eaLnBrk="1" latinLnBrk="1" hangingPunct="1">
+              <a:lnSpc>
+                <a:spcPct val="90000"/>
+              </a:lnSpc>
+              <a:spcBef>
+                <a:spcPts val="500"/>
+              </a:spcBef>
+              <a:buFont typeface="Arial" panose="020B0604020202020204" pitchFamily="34" charset="0"/>
+              <a:buChar char="•"/>
+              <a:defRPr sz="1800" kern="1200">
+                <a:solidFill>
+                  <a:srgbClr val="002060"/>
+                </a:solidFill>
+                <a:latin typeface="+mn-lt"/>
+                <a:ea typeface="+mn-ea"/>
+                <a:cs typeface="+mn-cs"/>
+              </a:defRPr>
+            </a:lvl4pPr>
+            <a:lvl5pPr marL="2057400" indent="-228600" algn="l" defTabSz="914400" rtl="0" eaLnBrk="1" latinLnBrk="1" hangingPunct="1">
+              <a:lnSpc>
+                <a:spcPct val="90000"/>
+              </a:lnSpc>
+              <a:spcBef>
+                <a:spcPts val="500"/>
+              </a:spcBef>
+              <a:buFont typeface="Arial" panose="020B0604020202020204" pitchFamily="34" charset="0"/>
+              <a:buChar char="•"/>
+              <a:defRPr sz="1800" kern="1200">
+                <a:solidFill>
+                  <a:srgbClr val="002060"/>
+                </a:solidFill>
+                <a:latin typeface="+mn-lt"/>
+                <a:ea typeface="+mn-ea"/>
+                <a:cs typeface="+mn-cs"/>
+              </a:defRPr>
+            </a:lvl5pPr>
+            <a:lvl6pPr marL="2514600" indent="-228600" algn="l" defTabSz="914400" rtl="0" eaLnBrk="1" latinLnBrk="1" hangingPunct="1">
+              <a:lnSpc>
+                <a:spcPct val="90000"/>
+              </a:lnSpc>
+              <a:spcBef>
+                <a:spcPts val="500"/>
+              </a:spcBef>
+              <a:buFont typeface="Arial" panose="020B0604020202020204" pitchFamily="34" charset="0"/>
+              <a:buChar char="•"/>
+              <a:defRPr sz="1800" kern="1200">
+                <a:solidFill>
+                  <a:schemeClr val="tx1"/>
+                </a:solidFill>
+                <a:latin typeface="+mn-lt"/>
+                <a:ea typeface="+mn-ea"/>
+                <a:cs typeface="+mn-cs"/>
+              </a:defRPr>
+            </a:lvl6pPr>
+            <a:lvl7pPr marL="2971800" indent="-228600" algn="l" defTabSz="914400" rtl="0" eaLnBrk="1" latinLnBrk="1" hangingPunct="1">
+              <a:lnSpc>
+                <a:spcPct val="90000"/>
+              </a:lnSpc>
+              <a:spcBef>
+                <a:spcPts val="500"/>
+              </a:spcBef>
+              <a:buFont typeface="Arial" panose="020B0604020202020204" pitchFamily="34" charset="0"/>
+              <a:buChar char="•"/>
+              <a:defRPr sz="1800" kern="1200">
+                <a:solidFill>
+                  <a:schemeClr val="tx1"/>
+                </a:solidFill>
+                <a:latin typeface="+mn-lt"/>
+                <a:ea typeface="+mn-ea"/>
+                <a:cs typeface="+mn-cs"/>
+              </a:defRPr>
+            </a:lvl7pPr>
+            <a:lvl8pPr marL="3429000" indent="-228600" algn="l" defTabSz="914400" rtl="0" eaLnBrk="1" latinLnBrk="1" hangingPunct="1">
+              <a:lnSpc>
+                <a:spcPct val="90000"/>
+              </a:lnSpc>
+              <a:spcBef>
+                <a:spcPts val="500"/>
+              </a:spcBef>
+              <a:buFont typeface="Arial" panose="020B0604020202020204" pitchFamily="34" charset="0"/>
+              <a:buChar char="•"/>
+              <a:defRPr sz="1800" kern="1200">
+                <a:solidFill>
+                  <a:schemeClr val="tx1"/>
+                </a:solidFill>
+                <a:latin typeface="+mn-lt"/>
+                <a:ea typeface="+mn-ea"/>
+                <a:cs typeface="+mn-cs"/>
+              </a:defRPr>
+            </a:lvl8pPr>
+            <a:lvl9pPr marL="3886200" indent="-228600" algn="l" defTabSz="914400" rtl="0" eaLnBrk="1" latinLnBrk="1" hangingPunct="1">
+              <a:lnSpc>
+                <a:spcPct val="90000"/>
+              </a:lnSpc>
+              <a:spcBef>
+                <a:spcPts val="500"/>
+              </a:spcBef>
+              <a:buFont typeface="Arial" panose="020B0604020202020204" pitchFamily="34" charset="0"/>
+              <a:buChar char="•"/>
+              <a:defRPr sz="1800" kern="1200">
+                <a:solidFill>
+                  <a:schemeClr val="tx1"/>
+                </a:solidFill>
+                <a:latin typeface="+mn-lt"/>
+                <a:ea typeface="+mn-ea"/>
+                <a:cs typeface="+mn-cs"/>
+              </a:defRPr>
+            </a:lvl9pPr>
+          </a:lstStyle>
+          <a:p>
+            <a:pPr marL="0" indent="0" algn="ctr">
+              <a:buFont typeface="Arial" panose="020B0604020202020204" pitchFamily="34" charset="0"/>
+              <a:buNone/>
+            </a:pPr>
+            <a:endParaRPr lang="en-US" altLang="ko-KR" dirty="0"/>
+          </a:p>
+          <a:p>
+            <a:pPr marL="0" indent="0" algn="ctr">
+              <a:buFont typeface="Arial" panose="020B0604020202020204" pitchFamily="34" charset="0"/>
+              <a:buNone/>
+            </a:pPr>
+            <a:endParaRPr lang="en-US" altLang="ko-KR" dirty="0"/>
+          </a:p>
+          <a:p>
+            <a:pPr marL="0" indent="0" algn="ctr">
+              <a:buFont typeface="Arial" panose="020B0604020202020204" pitchFamily="34" charset="0"/>
+              <a:buNone/>
+            </a:pPr>
+            <a:r>
+              <a:rPr lang="en-US" altLang="ko-KR" dirty="0"/>
+              <a:t>JavaScript</a:t>
+            </a:r>
+            <a:endParaRPr lang="ko-KR" altLang="en-US" dirty="0"/>
+          </a:p>
+        </p:txBody>
+      </p:sp>
+      <p:pic>
+        <p:nvPicPr>
+          <p:cNvPr id="16" name="그림 15">
+            <a:extLst>
+              <a:ext uri="{FF2B5EF4-FFF2-40B4-BE49-F238E27FC236}">
+                <a16:creationId xmlns:a16="http://schemas.microsoft.com/office/drawing/2014/main" id="{B89253C1-AD5B-07D7-7850-1064300844A6}"/>
+              </a:ext>
+            </a:extLst>
+          </p:cNvPr>
+          <p:cNvPicPr>
+            <a:picLocks noChangeAspect="1"/>
+          </p:cNvPicPr>
+          <p:nvPr/>
+        </p:nvPicPr>
+        <p:blipFill>
+          <a:blip r:embed="rId3">
+            <a:extLst>
+              <a:ext uri="{28A0092B-C50C-407E-A947-70E740481C1C}">
+                <a14:useLocalDpi xmlns:a14="http://schemas.microsoft.com/office/drawing/2010/main" val="0"/>
+              </a:ext>
+            </a:extLst>
+          </a:blip>
+          <a:stretch>
+            <a:fillRect/>
+          </a:stretch>
+        </p:blipFill>
+        <p:spPr>
+          <a:xfrm>
+            <a:off x="5201676" y="1005734"/>
+            <a:ext cx="1788648" cy="1788648"/>
+          </a:xfrm>
+          <a:prstGeom prst="rect">
+            <a:avLst/>
+          </a:prstGeom>
+        </p:spPr>
+      </p:pic>
+      <p:pic>
+        <p:nvPicPr>
+          <p:cNvPr id="22" name="그림 21">
+            <a:extLst>
+              <a:ext uri="{FF2B5EF4-FFF2-40B4-BE49-F238E27FC236}">
+                <a16:creationId xmlns:a16="http://schemas.microsoft.com/office/drawing/2014/main" id="{1B631568-9D12-F22B-2B6E-99975CDC7BD9}"/>
+              </a:ext>
+            </a:extLst>
+          </p:cNvPr>
+          <p:cNvPicPr>
+            <a:picLocks noChangeAspect="1"/>
+          </p:cNvPicPr>
+          <p:nvPr/>
+        </p:nvPicPr>
+        <p:blipFill>
+          <a:blip r:embed="rId4">
+            <a:extLst>
+              <a:ext uri="{28A0092B-C50C-407E-A947-70E740481C1C}">
+                <a14:useLocalDpi xmlns:a14="http://schemas.microsoft.com/office/drawing/2010/main" val="0"/>
+              </a:ext>
+            </a:extLst>
+          </a:blip>
+          <a:stretch>
+            <a:fillRect/>
+          </a:stretch>
+        </p:blipFill>
+        <p:spPr>
+          <a:xfrm>
+            <a:off x="5244100" y="3385014"/>
+            <a:ext cx="1703799" cy="1703799"/>
+          </a:xfrm>
+          <a:prstGeom prst="rect">
+            <a:avLst/>
+          </a:prstGeom>
+        </p:spPr>
+      </p:pic>
+      <p:pic>
+        <p:nvPicPr>
+          <p:cNvPr id="24" name="그림 23">
+            <a:extLst>
+              <a:ext uri="{FF2B5EF4-FFF2-40B4-BE49-F238E27FC236}">
+                <a16:creationId xmlns:a16="http://schemas.microsoft.com/office/drawing/2014/main" id="{5654D052-442D-4526-F41C-C3F471C1E8DE}"/>
+              </a:ext>
+            </a:extLst>
+          </p:cNvPr>
+          <p:cNvPicPr>
+            <a:picLocks noChangeAspect="1"/>
+          </p:cNvPicPr>
+          <p:nvPr/>
+        </p:nvPicPr>
+        <p:blipFill>
+          <a:blip r:embed="rId5">
+            <a:extLst>
+              <a:ext uri="{28A0092B-C50C-407E-A947-70E740481C1C}">
+                <a14:useLocalDpi xmlns:a14="http://schemas.microsoft.com/office/drawing/2010/main" val="0"/>
+              </a:ext>
+            </a:extLst>
+          </a:blip>
+          <a:stretch>
+            <a:fillRect/>
+          </a:stretch>
+        </p:blipFill>
+        <p:spPr>
+          <a:xfrm>
+            <a:off x="8468265" y="1005734"/>
+            <a:ext cx="1788647" cy="1788648"/>
+          </a:xfrm>
+          <a:prstGeom prst="rect">
+            <a:avLst/>
+          </a:prstGeom>
+        </p:spPr>
+      </p:pic>
+      <p:pic>
+        <p:nvPicPr>
+          <p:cNvPr id="28" name="그림 27">
+            <a:extLst>
+              <a:ext uri="{FF2B5EF4-FFF2-40B4-BE49-F238E27FC236}">
+                <a16:creationId xmlns:a16="http://schemas.microsoft.com/office/drawing/2014/main" id="{D87D7B73-FA4D-4727-9E7A-07C1AA0E285A}"/>
+              </a:ext>
+            </a:extLst>
+          </p:cNvPr>
+          <p:cNvPicPr>
+            <a:picLocks noChangeAspect="1"/>
+          </p:cNvPicPr>
+          <p:nvPr/>
+        </p:nvPicPr>
+        <p:blipFill>
+          <a:blip r:embed="rId6"/>
+          <a:stretch>
+            <a:fillRect/>
+          </a:stretch>
+        </p:blipFill>
+        <p:spPr>
+          <a:xfrm>
+            <a:off x="8507304" y="3385014"/>
+            <a:ext cx="1707183" cy="1707183"/>
+          </a:xfrm>
+          <a:prstGeom prst="rect">
+            <a:avLst/>
+          </a:prstGeom>
+        </p:spPr>
+      </p:pic>
+    </p:spTree>
+    <p:extLst>
+      <p:ext uri="{BB962C8B-B14F-4D97-AF65-F5344CB8AC3E}">
+        <p14:creationId xmlns:p14="http://schemas.microsoft.com/office/powerpoint/2010/main" val="641284017"/>
+      </p:ext>
+    </p:extLst>
+  </p:cSld>
+  <p:clrMapOvr>
+    <a:masterClrMapping/>
+  </p:clrMapOvr>
+</p:sld>
+</file>
+
+<file path=ppt/slides/slide4.xml><?xml version="1.0" encoding="utf-8"?>
+<p:sld xmlns:a="http://schemas.openxmlformats.org/drawingml/2006/main" xmlns:r="http://schemas.openxmlformats.org/officeDocument/2006/relationships" xmlns:p="http://schemas.openxmlformats.org/presentationml/2006/main">
+  <p:cSld>
+    <p:spTree>
+      <p:nvGrpSpPr>
+        <p:cNvPr id="1" name=""/>
+        <p:cNvGrpSpPr/>
+        <p:nvPr/>
+      </p:nvGrpSpPr>
+      <p:grpSpPr>
+        <a:xfrm>
+          <a:off x="0" y="0"/>
+          <a:ext cx="0" cy="0"/>
+          <a:chOff x="0" y="0"/>
+          <a:chExt cx="0" cy="0"/>
+        </a:xfrm>
+      </p:grpSpPr>
+      <p:sp>
+        <p:nvSpPr>
+          <p:cNvPr id="7" name="내용 개체 틀 2">
+            <a:extLst>
+              <a:ext uri="{FF2B5EF4-FFF2-40B4-BE49-F238E27FC236}">
+                <a16:creationId xmlns:a16="http://schemas.microsoft.com/office/drawing/2014/main" id="{2A8C83F4-BD5B-469E-34DE-B5426AE750BB}"/>
+              </a:ext>
+            </a:extLst>
+          </p:cNvPr>
+          <p:cNvSpPr>
+            <a:spLocks noGrp="1"/>
+          </p:cNvSpPr>
+          <p:nvPr>
+            <p:ph idx="1"/>
+          </p:nvPr>
+        </p:nvSpPr>
+        <p:spPr>
+          <a:xfrm>
+            <a:off x="838200" y="2816619"/>
+            <a:ext cx="10515599" cy="3360344"/>
+          </a:xfrm>
+        </p:spPr>
+        <p:txBody>
+          <a:bodyPr/>
+          <a:lstStyle/>
+          <a:p>
+            <a:pPr marL="0" indent="0" algn="ctr">
+              <a:buNone/>
+            </a:pPr>
+            <a:r>
+              <a:rPr lang="en-US" altLang="ko-KR" dirty="0"/>
+              <a:t>01</a:t>
+            </a:r>
+          </a:p>
+          <a:p>
+            <a:pPr marL="0" indent="0" algn="ctr">
+              <a:buNone/>
+            </a:pPr>
+            <a:endParaRPr lang="en-US" altLang="ko-KR" dirty="0"/>
+          </a:p>
+          <a:p>
+            <a:pPr marL="0" indent="0" algn="ctr">
+              <a:buNone/>
+            </a:pPr>
+            <a:r>
+              <a:rPr lang="ko-KR" altLang="en-US" dirty="0"/>
+              <a:t>메인 페이지</a:t>
+            </a:r>
+          </a:p>
+        </p:txBody>
+      </p:sp>
+      <p:sp>
+        <p:nvSpPr>
+          <p:cNvPr id="8" name="사각형: 둥근 모서리 7">
+            <a:extLst>
+              <a:ext uri="{FF2B5EF4-FFF2-40B4-BE49-F238E27FC236}">
+                <a16:creationId xmlns:a16="http://schemas.microsoft.com/office/drawing/2014/main" id="{5C1928DD-EF82-2774-CD98-FD5FBE8783B8}"/>
+              </a:ext>
+            </a:extLst>
+          </p:cNvPr>
+          <p:cNvSpPr/>
+          <p:nvPr/>
+        </p:nvSpPr>
+        <p:spPr>
+          <a:xfrm>
+            <a:off x="4841642" y="6491940"/>
+            <a:ext cx="482991" cy="70339"/>
+          </a:xfrm>
+          <a:prstGeom prst="roundRect">
+            <a:avLst/>
+          </a:prstGeom>
+          <a:ln>
+            <a:noFill/>
+          </a:ln>
+        </p:spPr>
+        <p:style>
+          <a:lnRef idx="2">
+            <a:schemeClr val="accent1">
+              <a:shade val="15000"/>
+            </a:schemeClr>
+          </a:lnRef>
+          <a:fillRef idx="1">
+            <a:schemeClr val="accent1"/>
+          </a:fillRef>
+          <a:effectRef idx="0">
+            <a:schemeClr val="accent1"/>
+          </a:effectRef>
+          <a:fontRef idx="minor">
+            <a:schemeClr val="lt1"/>
+          </a:fontRef>
+        </p:style>
+        <p:txBody>
+          <a:bodyPr rtlCol="0" anchor="ctr"/>
+          <a:lstStyle/>
+          <a:p>
+            <a:pPr algn="ctr"/>
+            <a:endParaRPr lang="ko-KR" altLang="en-US"/>
+          </a:p>
+        </p:txBody>
+      </p:sp>
+      <p:sp>
+        <p:nvSpPr>
+          <p:cNvPr id="9" name="사각형: 둥근 모서리 8">
+            <a:extLst>
+              <a:ext uri="{FF2B5EF4-FFF2-40B4-BE49-F238E27FC236}">
+                <a16:creationId xmlns:a16="http://schemas.microsoft.com/office/drawing/2014/main" id="{0EA5C02B-C6CD-9E58-D285-9016589E4BB5}"/>
+              </a:ext>
+            </a:extLst>
+          </p:cNvPr>
+          <p:cNvSpPr/>
+          <p:nvPr/>
+        </p:nvSpPr>
+        <p:spPr>
+          <a:xfrm>
+            <a:off x="5516884" y="6491940"/>
+            <a:ext cx="482991" cy="70339"/>
+          </a:xfrm>
+          <a:prstGeom prst="roundRect">
+            <a:avLst/>
+          </a:prstGeom>
+          <a:solidFill>
+            <a:schemeClr val="accent1">
+              <a:lumMod val="20000"/>
+              <a:lumOff val="80000"/>
+            </a:schemeClr>
+          </a:solidFill>
+          <a:ln>
+            <a:noFill/>
+          </a:ln>
+        </p:spPr>
+        <p:style>
+          <a:lnRef idx="2">
+            <a:schemeClr val="accent1">
+              <a:shade val="15000"/>
+            </a:schemeClr>
+          </a:lnRef>
+          <a:fillRef idx="1">
+            <a:schemeClr val="accent1"/>
+          </a:fillRef>
+          <a:effectRef idx="0">
+            <a:schemeClr val="accent1"/>
+          </a:effectRef>
+          <a:fontRef idx="minor">
+            <a:schemeClr val="lt1"/>
+          </a:fontRef>
+        </p:style>
+        <p:txBody>
+          <a:bodyPr rtlCol="0" anchor="ctr"/>
+          <a:lstStyle/>
+          <a:p>
+            <a:pPr algn="ctr"/>
+            <a:endParaRPr lang="ko-KR" altLang="en-US"/>
+          </a:p>
+        </p:txBody>
+      </p:sp>
+      <p:sp>
+        <p:nvSpPr>
+          <p:cNvPr id="10" name="사각형: 둥근 모서리 9">
+            <a:extLst>
+              <a:ext uri="{FF2B5EF4-FFF2-40B4-BE49-F238E27FC236}">
+                <a16:creationId xmlns:a16="http://schemas.microsoft.com/office/drawing/2014/main" id="{4C3F2BD0-E49E-53FD-8DCA-AF557A617C8E}"/>
+              </a:ext>
+            </a:extLst>
+          </p:cNvPr>
+          <p:cNvSpPr/>
+          <p:nvPr/>
+        </p:nvSpPr>
+        <p:spPr>
+          <a:xfrm>
+            <a:off x="6192126" y="6491940"/>
+            <a:ext cx="482991" cy="70339"/>
+          </a:xfrm>
+          <a:prstGeom prst="roundRect">
+            <a:avLst/>
+          </a:prstGeom>
+          <a:solidFill>
+            <a:schemeClr val="accent1">
+              <a:lumMod val="20000"/>
+              <a:lumOff val="80000"/>
+            </a:schemeClr>
+          </a:solidFill>
+          <a:ln>
+            <a:noFill/>
+          </a:ln>
+        </p:spPr>
+        <p:style>
+          <a:lnRef idx="2">
+            <a:schemeClr val="accent1">
+              <a:shade val="15000"/>
+            </a:schemeClr>
+          </a:lnRef>
+          <a:fillRef idx="1">
+            <a:schemeClr val="accent1"/>
+          </a:fillRef>
+          <a:effectRef idx="0">
+            <a:schemeClr val="accent1"/>
+          </a:effectRef>
+          <a:fontRef idx="minor">
+            <a:schemeClr val="lt1"/>
+          </a:fontRef>
+        </p:style>
+        <p:txBody>
+          <a:bodyPr rtlCol="0" anchor="ctr"/>
+          <a:lstStyle/>
+          <a:p>
+            <a:pPr algn="ctr"/>
+            <a:endParaRPr lang="ko-KR" altLang="en-US"/>
+          </a:p>
+        </p:txBody>
+      </p:sp>
+      <p:sp>
+        <p:nvSpPr>
+          <p:cNvPr id="2" name="사각형: 둥근 모서리 1">
+            <a:extLst>
+              <a:ext uri="{FF2B5EF4-FFF2-40B4-BE49-F238E27FC236}">
+                <a16:creationId xmlns:a16="http://schemas.microsoft.com/office/drawing/2014/main" id="{7A667134-0FF9-EB2A-6911-E31DD82B2281}"/>
+              </a:ext>
+            </a:extLst>
+          </p:cNvPr>
+          <p:cNvSpPr/>
+          <p:nvPr/>
+        </p:nvSpPr>
+        <p:spPr>
+          <a:xfrm>
+            <a:off x="6867368" y="6491940"/>
+            <a:ext cx="482991" cy="70339"/>
+          </a:xfrm>
+          <a:prstGeom prst="roundRect">
+            <a:avLst/>
+          </a:prstGeom>
+          <a:solidFill>
+            <a:schemeClr val="accent1">
+              <a:lumMod val="20000"/>
+              <a:lumOff val="80000"/>
+            </a:schemeClr>
+          </a:solidFill>
+          <a:ln>
+            <a:noFill/>
+          </a:ln>
+        </p:spPr>
+        <p:style>
+          <a:lnRef idx="2">
+            <a:schemeClr val="accent1">
+              <a:shade val="15000"/>
+            </a:schemeClr>
+          </a:lnRef>
+          <a:fillRef idx="1">
+            <a:schemeClr val="accent1"/>
+          </a:fillRef>
+          <a:effectRef idx="0">
+            <a:schemeClr val="accent1"/>
+          </a:effectRef>
+          <a:fontRef idx="minor">
+            <a:schemeClr val="lt1"/>
+          </a:fontRef>
+        </p:style>
+        <p:txBody>
+          <a:bodyPr rtlCol="0" anchor="ctr"/>
+          <a:lstStyle/>
+          <a:p>
+            <a:pPr algn="ctr"/>
+            <a:endParaRPr lang="ko-KR" altLang="en-US"/>
+          </a:p>
+        </p:txBody>
+      </p:sp>
+    </p:spTree>
+    <p:extLst>
+      <p:ext uri="{BB962C8B-B14F-4D97-AF65-F5344CB8AC3E}">
+        <p14:creationId xmlns:p14="http://schemas.microsoft.com/office/powerpoint/2010/main" val="2767917380"/>
+      </p:ext>
+    </p:extLst>
+  </p:cSld>
+  <p:clrMapOvr>
+    <a:masterClrMapping/>
+  </p:clrMapOvr>
+</p:sld>
+</file>
+
+<file path=ppt/slides/slide5.xml><?xml version="1.0" encoding="utf-8"?>
+<p:sld xmlns:a="http://schemas.openxmlformats.org/drawingml/2006/main" xmlns:r="http://schemas.openxmlformats.org/officeDocument/2006/relationships" xmlns:p="http://schemas.openxmlformats.org/presentationml/2006/main">
+  <p:cSld>
+    <p:spTree>
+      <p:nvGrpSpPr>
+        <p:cNvPr id="1" name=""/>
+        <p:cNvGrpSpPr/>
+        <p:nvPr/>
+      </p:nvGrpSpPr>
+      <p:grpSpPr>
+        <a:xfrm>
+          <a:off x="0" y="0"/>
+          <a:ext cx="0" cy="0"/>
+          <a:chOff x="0" y="0"/>
+          <a:chExt cx="0" cy="0"/>
+        </a:xfrm>
+      </p:grpSpPr>
+      <p:sp>
+        <p:nvSpPr>
+          <p:cNvPr id="4" name="제목 1">
+            <a:extLst>
+              <a:ext uri="{FF2B5EF4-FFF2-40B4-BE49-F238E27FC236}">
+                <a16:creationId xmlns:a16="http://schemas.microsoft.com/office/drawing/2014/main" id="{E6B715FE-4C10-6EDE-5BCC-14C985955DF2}"/>
+              </a:ext>
+            </a:extLst>
+          </p:cNvPr>
+          <p:cNvSpPr>
+            <a:spLocks noGrp="1"/>
+          </p:cNvSpPr>
+          <p:nvPr>
+            <p:ph type="title"/>
+          </p:nvPr>
+        </p:nvSpPr>
+        <p:spPr>
+          <a:xfrm>
+            <a:off x="838200" y="365126"/>
+            <a:ext cx="10515600" cy="649392"/>
+          </a:xfrm>
+        </p:spPr>
+        <p:txBody>
+          <a:bodyPr>
+            <a:normAutofit/>
+          </a:bodyPr>
+          <a:lstStyle/>
+          <a:p>
+            <a:r>
+              <a:rPr lang="ko-KR" altLang="en-US" sz="3200" dirty="0"/>
+              <a:t>메인 페이지</a:t>
+            </a:r>
+          </a:p>
+        </p:txBody>
+      </p:sp>
+      <p:pic>
+        <p:nvPicPr>
+          <p:cNvPr id="8" name="그림 7">
+            <a:extLst>
+              <a:ext uri="{FF2B5EF4-FFF2-40B4-BE49-F238E27FC236}">
+                <a16:creationId xmlns:a16="http://schemas.microsoft.com/office/drawing/2014/main" id="{947325A3-9BD4-D84B-8F12-7803580F7CDE}"/>
+              </a:ext>
+            </a:extLst>
+          </p:cNvPr>
+          <p:cNvPicPr>
+            <a:picLocks noChangeAspect="1"/>
+          </p:cNvPicPr>
+          <p:nvPr/>
+        </p:nvPicPr>
+        <p:blipFill>
+          <a:blip r:embed="rId2"/>
+          <a:stretch>
+            <a:fillRect/>
+          </a:stretch>
+        </p:blipFill>
+        <p:spPr>
+          <a:xfrm>
+            <a:off x="878425" y="1014518"/>
+            <a:ext cx="10475376" cy="5175267"/>
+          </a:xfrm>
+          <a:prstGeom prst="rect">
+            <a:avLst/>
+          </a:prstGeom>
+        </p:spPr>
+      </p:pic>
+      <p:sp>
+        <p:nvSpPr>
+          <p:cNvPr id="11" name="사각형: 둥근 모서리 10">
+            <a:extLst>
+              <a:ext uri="{FF2B5EF4-FFF2-40B4-BE49-F238E27FC236}">
+                <a16:creationId xmlns:a16="http://schemas.microsoft.com/office/drawing/2014/main" id="{FB0A37DB-FF65-52F8-5304-76665E964771}"/>
+              </a:ext>
+            </a:extLst>
+          </p:cNvPr>
+          <p:cNvSpPr/>
+          <p:nvPr/>
+        </p:nvSpPr>
+        <p:spPr>
+          <a:xfrm>
+            <a:off x="4841642" y="6491940"/>
+            <a:ext cx="482991" cy="70339"/>
+          </a:xfrm>
+          <a:prstGeom prst="roundRect">
+            <a:avLst/>
+          </a:prstGeom>
+          <a:ln>
+            <a:noFill/>
+          </a:ln>
+        </p:spPr>
+        <p:style>
+          <a:lnRef idx="2">
+            <a:schemeClr val="accent1">
+              <a:shade val="15000"/>
+            </a:schemeClr>
+          </a:lnRef>
+          <a:fillRef idx="1">
+            <a:schemeClr val="accent1"/>
+          </a:fillRef>
+          <a:effectRef idx="0">
+            <a:schemeClr val="accent1"/>
+          </a:effectRef>
+          <a:fontRef idx="minor">
+            <a:schemeClr val="lt1"/>
+          </a:fontRef>
+        </p:style>
+        <p:txBody>
+          <a:bodyPr rtlCol="0" anchor="ctr"/>
+          <a:lstStyle/>
+          <a:p>
+            <a:pPr algn="ctr"/>
+            <a:endParaRPr lang="ko-KR" altLang="en-US"/>
+          </a:p>
+        </p:txBody>
+      </p:sp>
+      <p:sp>
+        <p:nvSpPr>
+          <p:cNvPr id="12" name="사각형: 둥근 모서리 11">
+            <a:extLst>
+              <a:ext uri="{FF2B5EF4-FFF2-40B4-BE49-F238E27FC236}">
+                <a16:creationId xmlns:a16="http://schemas.microsoft.com/office/drawing/2014/main" id="{E3BEADF4-A9E3-0CB6-A2EC-3CFD1E93907C}"/>
+              </a:ext>
+            </a:extLst>
+          </p:cNvPr>
+          <p:cNvSpPr/>
+          <p:nvPr/>
+        </p:nvSpPr>
+        <p:spPr>
+          <a:xfrm>
+            <a:off x="5516884" y="6491940"/>
+            <a:ext cx="482991" cy="70339"/>
+          </a:xfrm>
+          <a:prstGeom prst="roundRect">
+            <a:avLst/>
+          </a:prstGeom>
+          <a:solidFill>
+            <a:schemeClr val="accent1">
+              <a:lumMod val="20000"/>
+              <a:lumOff val="80000"/>
+            </a:schemeClr>
+          </a:solidFill>
+          <a:ln>
+            <a:noFill/>
+          </a:ln>
+        </p:spPr>
+        <p:style>
+          <a:lnRef idx="2">
+            <a:schemeClr val="accent1">
+              <a:shade val="15000"/>
+            </a:schemeClr>
+          </a:lnRef>
+          <a:fillRef idx="1">
+            <a:schemeClr val="accent1"/>
+          </a:fillRef>
+          <a:effectRef idx="0">
+            <a:schemeClr val="accent1"/>
+          </a:effectRef>
+          <a:fontRef idx="minor">
+            <a:schemeClr val="lt1"/>
+          </a:fontRef>
+        </p:style>
+        <p:txBody>
+          <a:bodyPr rtlCol="0" anchor="ctr"/>
+          <a:lstStyle/>
+          <a:p>
+            <a:pPr algn="ctr"/>
+            <a:endParaRPr lang="ko-KR" altLang="en-US"/>
+          </a:p>
+        </p:txBody>
+      </p:sp>
+      <p:sp>
+        <p:nvSpPr>
+          <p:cNvPr id="13" name="사각형: 둥근 모서리 12">
+            <a:extLst>
+              <a:ext uri="{FF2B5EF4-FFF2-40B4-BE49-F238E27FC236}">
+                <a16:creationId xmlns:a16="http://schemas.microsoft.com/office/drawing/2014/main" id="{FE6820D1-3C28-6745-FEB7-6320F7AC7D1A}"/>
+              </a:ext>
+            </a:extLst>
+          </p:cNvPr>
+          <p:cNvSpPr/>
+          <p:nvPr/>
+        </p:nvSpPr>
+        <p:spPr>
+          <a:xfrm>
+            <a:off x="6192126" y="6491940"/>
+            <a:ext cx="482991" cy="70339"/>
+          </a:xfrm>
+          <a:prstGeom prst="roundRect">
+            <a:avLst/>
+          </a:prstGeom>
+          <a:solidFill>
+            <a:schemeClr val="accent1">
+              <a:lumMod val="20000"/>
+              <a:lumOff val="80000"/>
+            </a:schemeClr>
+          </a:solidFill>
+          <a:ln>
+            <a:noFill/>
+          </a:ln>
+        </p:spPr>
+        <p:style>
+          <a:lnRef idx="2">
+            <a:schemeClr val="accent1">
+              <a:shade val="15000"/>
+            </a:schemeClr>
+          </a:lnRef>
+          <a:fillRef idx="1">
+            <a:schemeClr val="accent1"/>
+          </a:fillRef>
+          <a:effectRef idx="0">
+            <a:schemeClr val="accent1"/>
+          </a:effectRef>
+          <a:fontRef idx="minor">
+            <a:schemeClr val="lt1"/>
+          </a:fontRef>
+        </p:style>
+        <p:txBody>
+          <a:bodyPr rtlCol="0" anchor="ctr"/>
+          <a:lstStyle/>
+          <a:p>
+            <a:pPr algn="ctr"/>
+            <a:endParaRPr lang="ko-KR" altLang="en-US"/>
+          </a:p>
+        </p:txBody>
+      </p:sp>
+      <p:sp>
+        <p:nvSpPr>
+          <p:cNvPr id="14" name="사각형: 둥근 모서리 13">
+            <a:extLst>
+              <a:ext uri="{FF2B5EF4-FFF2-40B4-BE49-F238E27FC236}">
+                <a16:creationId xmlns:a16="http://schemas.microsoft.com/office/drawing/2014/main" id="{0B599AA2-DA92-B965-F951-6A6173BBB0DE}"/>
+              </a:ext>
+            </a:extLst>
+          </p:cNvPr>
+          <p:cNvSpPr/>
+          <p:nvPr/>
+        </p:nvSpPr>
+        <p:spPr>
+          <a:xfrm>
+            <a:off x="6867368" y="6491940"/>
+            <a:ext cx="482991" cy="70339"/>
+          </a:xfrm>
+          <a:prstGeom prst="roundRect">
+            <a:avLst/>
+          </a:prstGeom>
+          <a:solidFill>
+            <a:schemeClr val="accent1">
+              <a:lumMod val="20000"/>
+              <a:lumOff val="80000"/>
+            </a:schemeClr>
+          </a:solidFill>
+          <a:ln>
+            <a:noFill/>
+          </a:ln>
+        </p:spPr>
+        <p:style>
+          <a:lnRef idx="2">
+            <a:schemeClr val="accent1">
+              <a:shade val="15000"/>
+            </a:schemeClr>
+          </a:lnRef>
+          <a:fillRef idx="1">
+            <a:schemeClr val="accent1"/>
+          </a:fillRef>
+          <a:effectRef idx="0">
+            <a:schemeClr val="accent1"/>
+          </a:effectRef>
+          <a:fontRef idx="minor">
+            <a:schemeClr val="lt1"/>
+          </a:fontRef>
+        </p:style>
+        <p:txBody>
+          <a:bodyPr rtlCol="0" anchor="ctr"/>
+          <a:lstStyle/>
+          <a:p>
+            <a:pPr algn="ctr"/>
+            <a:endParaRPr lang="ko-KR" altLang="en-US"/>
+          </a:p>
+        </p:txBody>
+      </p:sp>
+    </p:spTree>
+    <p:extLst>
+      <p:ext uri="{BB962C8B-B14F-4D97-AF65-F5344CB8AC3E}">
+        <p14:creationId xmlns:p14="http://schemas.microsoft.com/office/powerpoint/2010/main" val="3763681670"/>
+      </p:ext>
+    </p:extLst>
+  </p:cSld>
+  <p:clrMapOvr>
+    <a:masterClrMapping/>
+  </p:clrMapOvr>
+</p:sld>
+</file>
+
+<file path=ppt/slides/slide6.xml><?xml version="1.0" encoding="utf-8"?>
+<p:sld xmlns:a="http://schemas.openxmlformats.org/drawingml/2006/main" xmlns:r="http://schemas.openxmlformats.org/officeDocument/2006/relationships" xmlns:p="http://schemas.openxmlformats.org/presentationml/2006/main">
+  <p:cSld>
+    <p:spTree>
+      <p:nvGrpSpPr>
+        <p:cNvPr id="1" name=""/>
+        <p:cNvGrpSpPr/>
+        <p:nvPr/>
+      </p:nvGrpSpPr>
+      <p:grpSpPr>
+        <a:xfrm>
+          <a:off x="0" y="0"/>
+          <a:ext cx="0" cy="0"/>
+          <a:chOff x="0" y="0"/>
+          <a:chExt cx="0" cy="0"/>
+        </a:xfrm>
+      </p:grpSpPr>
+      <p:sp>
+        <p:nvSpPr>
+          <p:cNvPr id="4" name="제목 1">
+            <a:extLst>
+              <a:ext uri="{FF2B5EF4-FFF2-40B4-BE49-F238E27FC236}">
+                <a16:creationId xmlns:a16="http://schemas.microsoft.com/office/drawing/2014/main" id="{E6B715FE-4C10-6EDE-5BCC-14C985955DF2}"/>
+              </a:ext>
+            </a:extLst>
+          </p:cNvPr>
+          <p:cNvSpPr>
+            <a:spLocks noGrp="1"/>
+          </p:cNvSpPr>
+          <p:nvPr>
+            <p:ph type="title"/>
+          </p:nvPr>
+        </p:nvSpPr>
+        <p:spPr>
+          <a:xfrm>
+            <a:off x="838200" y="365126"/>
+            <a:ext cx="10515600" cy="649392"/>
+          </a:xfrm>
+        </p:spPr>
+        <p:txBody>
+          <a:bodyPr>
+            <a:normAutofit/>
+          </a:bodyPr>
+          <a:lstStyle/>
+          <a:p>
+            <a:r>
+              <a:rPr lang="ko-KR" altLang="en-US" sz="3200" dirty="0"/>
+              <a:t>메인 페이지</a:t>
+            </a:r>
+          </a:p>
+        </p:txBody>
+      </p:sp>
+      <p:sp>
+        <p:nvSpPr>
+          <p:cNvPr id="5" name="TextBox 4">
+            <a:extLst>
+              <a:ext uri="{FF2B5EF4-FFF2-40B4-BE49-F238E27FC236}">
+                <a16:creationId xmlns:a16="http://schemas.microsoft.com/office/drawing/2014/main" id="{A0D5AA95-A7C9-7773-4853-A929F3A93999}"/>
+              </a:ext>
+            </a:extLst>
+          </p:cNvPr>
+          <p:cNvSpPr txBox="1"/>
+          <p:nvPr/>
+        </p:nvSpPr>
+        <p:spPr>
+          <a:xfrm>
+            <a:off x="7254239" y="970671"/>
+            <a:ext cx="4360985" cy="4247317"/>
+          </a:xfrm>
+          <a:prstGeom prst="rect">
+            <a:avLst/>
+          </a:prstGeom>
+          <a:noFill/>
+        </p:spPr>
+        <p:txBody>
+          <a:bodyPr wrap="square" rtlCol="0">
+            <a:spAutoFit/>
+          </a:bodyPr>
+          <a:lstStyle/>
+          <a:p>
+            <a:r>
+              <a:rPr lang="en-US" altLang="ko-KR" dirty="0"/>
+              <a:t>Index.html, index.css, include.js </a:t>
+            </a:r>
+            <a:r>
+              <a:rPr lang="ko-KR" altLang="en-US" dirty="0"/>
+              <a:t>에 해당하는 코드</a:t>
+            </a:r>
+            <a:endParaRPr lang="en-US" altLang="ko-KR" dirty="0"/>
+          </a:p>
+          <a:p>
+            <a:endParaRPr lang="en-US" altLang="ko-KR" dirty="0"/>
+          </a:p>
+          <a:p>
+            <a:r>
+              <a:rPr lang="en-US" altLang="ko-KR" dirty="0"/>
+              <a:t>header</a:t>
+            </a:r>
+            <a:r>
+              <a:rPr lang="ko-KR" altLang="en-US" dirty="0"/>
+              <a:t>와 </a:t>
+            </a:r>
+            <a:r>
+              <a:rPr lang="en-US" altLang="ko-KR" dirty="0"/>
+              <a:t>footer</a:t>
+            </a:r>
+            <a:r>
+              <a:rPr lang="ko-KR" altLang="en-US" dirty="0"/>
+              <a:t>를 따로 관리하기 위해</a:t>
+            </a:r>
+            <a:endParaRPr lang="en-US" altLang="ko-KR" dirty="0"/>
+          </a:p>
+          <a:p>
+            <a:r>
+              <a:rPr lang="en-US" altLang="ko-KR" dirty="0"/>
+              <a:t>w3schools</a:t>
+            </a:r>
+            <a:r>
+              <a:rPr lang="ko-KR" altLang="en-US" dirty="0"/>
+              <a:t>에서 제공한 </a:t>
+            </a:r>
+            <a:r>
+              <a:rPr lang="en-US" altLang="ko-KR" dirty="0" err="1"/>
+              <a:t>javascript</a:t>
+            </a:r>
+            <a:r>
+              <a:rPr lang="en-US" altLang="ko-KR" dirty="0"/>
+              <a:t> </a:t>
+            </a:r>
+            <a:r>
+              <a:rPr lang="ko-KR" altLang="en-US" dirty="0"/>
+              <a:t>코드를 이용해 </a:t>
+            </a:r>
+            <a:r>
+              <a:rPr lang="en-US" altLang="ko-KR" dirty="0"/>
+              <a:t>include</a:t>
+            </a:r>
+            <a:r>
+              <a:rPr lang="ko-KR" altLang="en-US" dirty="0"/>
+              <a:t>를 하도록 설정했다</a:t>
+            </a:r>
+            <a:r>
+              <a:rPr lang="en-US" altLang="ko-KR" dirty="0"/>
+              <a:t>.</a:t>
+            </a:r>
+          </a:p>
+          <a:p>
+            <a:endParaRPr lang="en-US" altLang="ko-KR" dirty="0"/>
+          </a:p>
+          <a:p>
+            <a:r>
+              <a:rPr lang="ko-KR" altLang="en-US" dirty="0"/>
+              <a:t>그리고 지금 접속된 페이지를 하얗게 강조하는 </a:t>
+            </a:r>
+            <a:r>
+              <a:rPr lang="en-US" altLang="ko-KR" dirty="0"/>
+              <a:t>bootstrap</a:t>
+            </a:r>
+            <a:r>
+              <a:rPr lang="ko-KR" altLang="en-US" dirty="0"/>
+              <a:t>의 </a:t>
+            </a:r>
+            <a:r>
+              <a:rPr lang="en-US" altLang="ko-KR" dirty="0"/>
+              <a:t>active class</a:t>
+            </a:r>
+            <a:r>
+              <a:rPr lang="ko-KR" altLang="en-US" dirty="0"/>
+              <a:t>를 이용해 출력되도록 </a:t>
+            </a:r>
+            <a:r>
+              <a:rPr lang="en-US" altLang="ko-KR" dirty="0"/>
+              <a:t>include.js</a:t>
+            </a:r>
+            <a:r>
+              <a:rPr lang="ko-KR" altLang="en-US" dirty="0"/>
+              <a:t>파일에서 설정했다</a:t>
+            </a:r>
+            <a:r>
+              <a:rPr lang="en-US" altLang="ko-KR" dirty="0"/>
+              <a:t>.</a:t>
+            </a:r>
+          </a:p>
+          <a:p>
+            <a:endParaRPr lang="en-US" altLang="ko-KR" dirty="0"/>
+          </a:p>
+          <a:p>
+            <a:r>
+              <a:rPr lang="ko-KR" altLang="en-US" dirty="0"/>
+              <a:t>추가로 </a:t>
+            </a:r>
+          </a:p>
+        </p:txBody>
+      </p:sp>
+      <p:sp>
+        <p:nvSpPr>
+          <p:cNvPr id="9" name="사각형: 둥근 모서리 8">
+            <a:extLst>
+              <a:ext uri="{FF2B5EF4-FFF2-40B4-BE49-F238E27FC236}">
+                <a16:creationId xmlns:a16="http://schemas.microsoft.com/office/drawing/2014/main" id="{76FA4B30-BAA3-252E-3F04-8D588E2694F0}"/>
+              </a:ext>
+            </a:extLst>
+          </p:cNvPr>
+          <p:cNvSpPr/>
+          <p:nvPr/>
+        </p:nvSpPr>
+        <p:spPr>
+          <a:xfrm>
+            <a:off x="4841642" y="6491940"/>
+            <a:ext cx="482991" cy="70339"/>
+          </a:xfrm>
+          <a:prstGeom prst="roundRect">
+            <a:avLst/>
+          </a:prstGeom>
+          <a:ln>
+            <a:noFill/>
+          </a:ln>
+        </p:spPr>
+        <p:style>
+          <a:lnRef idx="2">
+            <a:schemeClr val="accent1">
+              <a:shade val="15000"/>
+            </a:schemeClr>
+          </a:lnRef>
+          <a:fillRef idx="1">
+            <a:schemeClr val="accent1"/>
+          </a:fillRef>
+          <a:effectRef idx="0">
+            <a:schemeClr val="accent1"/>
+          </a:effectRef>
+          <a:fontRef idx="minor">
+            <a:schemeClr val="lt1"/>
+          </a:fontRef>
+        </p:style>
+        <p:txBody>
+          <a:bodyPr rtlCol="0" anchor="ctr"/>
+          <a:lstStyle/>
+          <a:p>
+            <a:pPr algn="ctr"/>
+            <a:endParaRPr lang="ko-KR" altLang="en-US"/>
+          </a:p>
+        </p:txBody>
+      </p:sp>
+      <p:sp>
+        <p:nvSpPr>
+          <p:cNvPr id="10" name="사각형: 둥근 모서리 9">
+            <a:extLst>
+              <a:ext uri="{FF2B5EF4-FFF2-40B4-BE49-F238E27FC236}">
+                <a16:creationId xmlns:a16="http://schemas.microsoft.com/office/drawing/2014/main" id="{9F35EA3C-D05E-AD53-055E-E856A49F66E3}"/>
+              </a:ext>
+            </a:extLst>
+          </p:cNvPr>
+          <p:cNvSpPr/>
+          <p:nvPr/>
+        </p:nvSpPr>
+        <p:spPr>
+          <a:xfrm>
+            <a:off x="5516884" y="6491940"/>
+            <a:ext cx="482991" cy="70339"/>
+          </a:xfrm>
+          <a:prstGeom prst="roundRect">
+            <a:avLst/>
+          </a:prstGeom>
+          <a:solidFill>
+            <a:schemeClr val="accent1">
+              <a:lumMod val="20000"/>
+              <a:lumOff val="80000"/>
+            </a:schemeClr>
+          </a:solidFill>
+          <a:ln>
+            <a:noFill/>
+          </a:ln>
+        </p:spPr>
+        <p:style>
+          <a:lnRef idx="2">
+            <a:schemeClr val="accent1">
+              <a:shade val="15000"/>
+            </a:schemeClr>
+          </a:lnRef>
+          <a:fillRef idx="1">
+            <a:schemeClr val="accent1"/>
+          </a:fillRef>
+          <a:effectRef idx="0">
+            <a:schemeClr val="accent1"/>
+          </a:effectRef>
+          <a:fontRef idx="minor">
+            <a:schemeClr val="lt1"/>
+          </a:fontRef>
+        </p:style>
+        <p:txBody>
+          <a:bodyPr rtlCol="0" anchor="ctr"/>
+          <a:lstStyle/>
+          <a:p>
+            <a:pPr algn="ctr"/>
+            <a:endParaRPr lang="ko-KR" altLang="en-US"/>
+          </a:p>
+        </p:txBody>
+      </p:sp>
+      <p:sp>
+        <p:nvSpPr>
+          <p:cNvPr id="11" name="사각형: 둥근 모서리 10">
+            <a:extLst>
+              <a:ext uri="{FF2B5EF4-FFF2-40B4-BE49-F238E27FC236}">
+                <a16:creationId xmlns:a16="http://schemas.microsoft.com/office/drawing/2014/main" id="{3A361C10-316B-A644-0A2E-AF0835D1C561}"/>
+              </a:ext>
+            </a:extLst>
+          </p:cNvPr>
+          <p:cNvSpPr/>
+          <p:nvPr/>
+        </p:nvSpPr>
+        <p:spPr>
+          <a:xfrm>
+            <a:off x="6192126" y="6491940"/>
+            <a:ext cx="482991" cy="70339"/>
+          </a:xfrm>
+          <a:prstGeom prst="roundRect">
+            <a:avLst/>
+          </a:prstGeom>
+          <a:solidFill>
+            <a:schemeClr val="accent1">
+              <a:lumMod val="20000"/>
+              <a:lumOff val="80000"/>
+            </a:schemeClr>
+          </a:solidFill>
+          <a:ln>
+            <a:noFill/>
+          </a:ln>
+        </p:spPr>
+        <p:style>
+          <a:lnRef idx="2">
+            <a:schemeClr val="accent1">
+              <a:shade val="15000"/>
+            </a:schemeClr>
+          </a:lnRef>
+          <a:fillRef idx="1">
+            <a:schemeClr val="accent1"/>
+          </a:fillRef>
+          <a:effectRef idx="0">
+            <a:schemeClr val="accent1"/>
+          </a:effectRef>
+          <a:fontRef idx="minor">
+            <a:schemeClr val="lt1"/>
+          </a:fontRef>
+        </p:style>
+        <p:txBody>
+          <a:bodyPr rtlCol="0" anchor="ctr"/>
+          <a:lstStyle/>
+          <a:p>
+            <a:pPr algn="ctr"/>
+            <a:endParaRPr lang="ko-KR" altLang="en-US"/>
+          </a:p>
+        </p:txBody>
+      </p:sp>
+      <p:sp>
+        <p:nvSpPr>
+          <p:cNvPr id="12" name="사각형: 둥근 모서리 11">
+            <a:extLst>
+              <a:ext uri="{FF2B5EF4-FFF2-40B4-BE49-F238E27FC236}">
+                <a16:creationId xmlns:a16="http://schemas.microsoft.com/office/drawing/2014/main" id="{61CB9DB4-E641-EDB1-D11D-F2ED8F7B4270}"/>
+              </a:ext>
+            </a:extLst>
+          </p:cNvPr>
+          <p:cNvSpPr/>
+          <p:nvPr/>
+        </p:nvSpPr>
+        <p:spPr>
+          <a:xfrm>
+            <a:off x="6867368" y="6491940"/>
+            <a:ext cx="482991" cy="70339"/>
+          </a:xfrm>
+          <a:prstGeom prst="roundRect">
+            <a:avLst/>
+          </a:prstGeom>
+          <a:solidFill>
+            <a:schemeClr val="accent1">
+              <a:lumMod val="20000"/>
+              <a:lumOff val="80000"/>
+            </a:schemeClr>
+          </a:solidFill>
+          <a:ln>
+            <a:noFill/>
+          </a:ln>
+        </p:spPr>
+        <p:style>
+          <a:lnRef idx="2">
+            <a:schemeClr val="accent1">
+              <a:shade val="15000"/>
+            </a:schemeClr>
+          </a:lnRef>
+          <a:fillRef idx="1">
+            <a:schemeClr val="accent1"/>
+          </a:fillRef>
+          <a:effectRef idx="0">
+            <a:schemeClr val="accent1"/>
+          </a:effectRef>
+          <a:fontRef idx="minor">
+            <a:schemeClr val="lt1"/>
+          </a:fontRef>
+        </p:style>
+        <p:txBody>
+          <a:bodyPr rtlCol="0" anchor="ctr"/>
+          <a:lstStyle/>
+          <a:p>
+            <a:pPr algn="ctr"/>
+            <a:endParaRPr lang="ko-KR" altLang="en-US"/>
+          </a:p>
+        </p:txBody>
+      </p:sp>
+      <p:pic>
+        <p:nvPicPr>
+          <p:cNvPr id="14" name="그림 13">
+            <a:extLst>
+              <a:ext uri="{FF2B5EF4-FFF2-40B4-BE49-F238E27FC236}">
+                <a16:creationId xmlns:a16="http://schemas.microsoft.com/office/drawing/2014/main" id="{6BCAE1B3-D7D2-35CC-C53D-13D3970B1545}"/>
+              </a:ext>
+            </a:extLst>
+          </p:cNvPr>
+          <p:cNvPicPr>
+            <a:picLocks noChangeAspect="1"/>
+          </p:cNvPicPr>
+          <p:nvPr/>
+        </p:nvPicPr>
+        <p:blipFill>
+          <a:blip r:embed="rId2"/>
+          <a:stretch>
+            <a:fillRect/>
+          </a:stretch>
+        </p:blipFill>
+        <p:spPr>
+          <a:xfrm>
+            <a:off x="838200" y="970671"/>
+            <a:ext cx="3016348" cy="1997612"/>
+          </a:xfrm>
+          <a:prstGeom prst="rect">
+            <a:avLst/>
+          </a:prstGeom>
+        </p:spPr>
+      </p:pic>
+      <p:pic>
+        <p:nvPicPr>
+          <p:cNvPr id="16" name="그림 15">
+            <a:extLst>
+              <a:ext uri="{FF2B5EF4-FFF2-40B4-BE49-F238E27FC236}">
+                <a16:creationId xmlns:a16="http://schemas.microsoft.com/office/drawing/2014/main" id="{752E70AE-AC0C-561B-605B-F340ADCAC276}"/>
+              </a:ext>
+            </a:extLst>
+          </p:cNvPr>
+          <p:cNvPicPr>
+            <a:picLocks noChangeAspect="1"/>
+          </p:cNvPicPr>
+          <p:nvPr/>
+        </p:nvPicPr>
+        <p:blipFill>
+          <a:blip r:embed="rId3"/>
+          <a:stretch>
+            <a:fillRect/>
+          </a:stretch>
+        </p:blipFill>
+        <p:spPr>
+          <a:xfrm>
+            <a:off x="838200" y="2968283"/>
+            <a:ext cx="3016348" cy="1519309"/>
+          </a:xfrm>
+          <a:prstGeom prst="rect">
+            <a:avLst/>
+          </a:prstGeom>
+        </p:spPr>
+      </p:pic>
+      <p:pic>
+        <p:nvPicPr>
+          <p:cNvPr id="18" name="그림 17">
+            <a:extLst>
+              <a:ext uri="{FF2B5EF4-FFF2-40B4-BE49-F238E27FC236}">
+                <a16:creationId xmlns:a16="http://schemas.microsoft.com/office/drawing/2014/main" id="{D99C53F7-E3D5-8E78-508C-28BB561E6CC0}"/>
+              </a:ext>
+            </a:extLst>
+          </p:cNvPr>
+          <p:cNvPicPr>
+            <a:picLocks noChangeAspect="1"/>
+          </p:cNvPicPr>
+          <p:nvPr/>
+        </p:nvPicPr>
+        <p:blipFill>
+          <a:blip r:embed="rId4"/>
+          <a:stretch>
+            <a:fillRect/>
+          </a:stretch>
+        </p:blipFill>
+        <p:spPr>
+          <a:xfrm>
+            <a:off x="3847724" y="970671"/>
+            <a:ext cx="3406516" cy="4820530"/>
+          </a:xfrm>
+          <a:prstGeom prst="rect">
+            <a:avLst/>
+          </a:prstGeom>
+        </p:spPr>
+      </p:pic>
+      <p:pic>
+        <p:nvPicPr>
+          <p:cNvPr id="20" name="그림 19">
+            <a:extLst>
+              <a:ext uri="{FF2B5EF4-FFF2-40B4-BE49-F238E27FC236}">
+                <a16:creationId xmlns:a16="http://schemas.microsoft.com/office/drawing/2014/main" id="{C182CD97-8284-C7AB-6E9C-AD055BEFD251}"/>
+              </a:ext>
+            </a:extLst>
+          </p:cNvPr>
+          <p:cNvPicPr>
+            <a:picLocks noChangeAspect="1"/>
+          </p:cNvPicPr>
+          <p:nvPr/>
+        </p:nvPicPr>
+        <p:blipFill>
+          <a:blip r:embed="rId5"/>
+          <a:stretch>
+            <a:fillRect/>
+          </a:stretch>
+        </p:blipFill>
+        <p:spPr>
+          <a:xfrm>
+            <a:off x="834968" y="4487593"/>
+            <a:ext cx="3019580" cy="1303608"/>
+          </a:xfrm>
+          <a:prstGeom prst="rect">
+            <a:avLst/>
+          </a:prstGeom>
+        </p:spPr>
+      </p:pic>
+      <p:cxnSp>
+        <p:nvCxnSpPr>
+          <p:cNvPr id="22" name="직선 화살표 연결선 21">
+            <a:extLst>
+              <a:ext uri="{FF2B5EF4-FFF2-40B4-BE49-F238E27FC236}">
+                <a16:creationId xmlns:a16="http://schemas.microsoft.com/office/drawing/2014/main" id="{3D530FC9-917B-EAB5-CBEF-4DDD3A5D9643}"/>
+              </a:ext>
+            </a:extLst>
+          </p:cNvPr>
+          <p:cNvCxnSpPr/>
+          <p:nvPr/>
+        </p:nvCxnSpPr>
+        <p:spPr>
+          <a:xfrm flipH="1">
+            <a:off x="1411458" y="3395003"/>
+            <a:ext cx="2790093" cy="2011680"/>
+          </a:xfrm>
+          <a:prstGeom prst="straightConnector1">
+            <a:avLst/>
+          </a:prstGeom>
+          <a:ln w="25400">
+            <a:tailEnd type="triangle"/>
+          </a:ln>
+        </p:spPr>
+        <p:style>
+          <a:lnRef idx="1">
+            <a:schemeClr val="accent2"/>
+          </a:lnRef>
+          <a:fillRef idx="0">
+            <a:schemeClr val="accent2"/>
+          </a:fillRef>
+          <a:effectRef idx="0">
+            <a:schemeClr val="accent2"/>
+          </a:effectRef>
+          <a:fontRef idx="minor">
+            <a:schemeClr val="tx1"/>
+          </a:fontRef>
+        </p:style>
+      </p:cxnSp>
+    </p:spTree>
+    <p:extLst>
+      <p:ext uri="{BB962C8B-B14F-4D97-AF65-F5344CB8AC3E}">
+        <p14:creationId xmlns:p14="http://schemas.microsoft.com/office/powerpoint/2010/main" val="2894495195"/>
+      </p:ext>
+    </p:extLst>
+  </p:cSld>
+  <p:clrMapOvr>
+    <a:masterClrMapping/>
+  </p:clrMapOvr>
+</p:sld>
+</file>
+
+<file path=ppt/slides/slide7.xml><?xml version="1.0" encoding="utf-8"?>
+<p:sld xmlns:a="http://schemas.openxmlformats.org/drawingml/2006/main" xmlns:r="http://schemas.openxmlformats.org/officeDocument/2006/relationships" xmlns:p="http://schemas.openxmlformats.org/presentationml/2006/main">
+  <p:cSld>
+    <p:spTree>
+      <p:nvGrpSpPr>
+        <p:cNvPr id="1" name=""/>
+        <p:cNvGrpSpPr/>
+        <p:nvPr/>
+      </p:nvGrpSpPr>
+      <p:grpSpPr>
+        <a:xfrm>
+          <a:off x="0" y="0"/>
+          <a:ext cx="0" cy="0"/>
+          <a:chOff x="0" y="0"/>
+          <a:chExt cx="0" cy="0"/>
+        </a:xfrm>
+      </p:grpSpPr>
+      <p:sp>
+        <p:nvSpPr>
+          <p:cNvPr id="4" name="제목 1">
+            <a:extLst>
+              <a:ext uri="{FF2B5EF4-FFF2-40B4-BE49-F238E27FC236}">
+                <a16:creationId xmlns:a16="http://schemas.microsoft.com/office/drawing/2014/main" id="{E6B715FE-4C10-6EDE-5BCC-14C985955DF2}"/>
+              </a:ext>
+            </a:extLst>
+          </p:cNvPr>
+          <p:cNvSpPr>
+            <a:spLocks noGrp="1"/>
+          </p:cNvSpPr>
+          <p:nvPr>
+            <p:ph type="title"/>
+          </p:nvPr>
+        </p:nvSpPr>
+        <p:spPr>
+          <a:xfrm>
+            <a:off x="838200" y="365126"/>
+            <a:ext cx="10515600" cy="649392"/>
+          </a:xfrm>
+        </p:spPr>
+        <p:txBody>
+          <a:bodyPr>
+            <a:normAutofit/>
+          </a:bodyPr>
+          <a:lstStyle/>
+          <a:p>
+            <a:r>
+              <a:rPr lang="ko-KR" altLang="en-US" sz="3200" dirty="0"/>
+              <a:t>메인 페이지</a:t>
+            </a:r>
+          </a:p>
+        </p:txBody>
+      </p:sp>
+      <p:sp>
+        <p:nvSpPr>
+          <p:cNvPr id="11" name="사각형: 둥근 모서리 10">
+            <a:extLst>
+              <a:ext uri="{FF2B5EF4-FFF2-40B4-BE49-F238E27FC236}">
+                <a16:creationId xmlns:a16="http://schemas.microsoft.com/office/drawing/2014/main" id="{FB0A37DB-FF65-52F8-5304-76665E964771}"/>
+              </a:ext>
+            </a:extLst>
+          </p:cNvPr>
+          <p:cNvSpPr/>
+          <p:nvPr/>
+        </p:nvSpPr>
+        <p:spPr>
+          <a:xfrm>
+            <a:off x="4841642" y="6491940"/>
+            <a:ext cx="482991" cy="70339"/>
+          </a:xfrm>
+          <a:prstGeom prst="roundRect">
+            <a:avLst/>
+          </a:prstGeom>
+          <a:ln>
+            <a:noFill/>
+          </a:ln>
+        </p:spPr>
+        <p:style>
+          <a:lnRef idx="2">
+            <a:schemeClr val="accent1">
+              <a:shade val="15000"/>
+            </a:schemeClr>
+          </a:lnRef>
+          <a:fillRef idx="1">
+            <a:schemeClr val="accent1"/>
+          </a:fillRef>
+          <a:effectRef idx="0">
+            <a:schemeClr val="accent1"/>
+          </a:effectRef>
+          <a:fontRef idx="minor">
+            <a:schemeClr val="lt1"/>
+          </a:fontRef>
+        </p:style>
+        <p:txBody>
+          <a:bodyPr rtlCol="0" anchor="ctr"/>
+          <a:lstStyle/>
+          <a:p>
+            <a:pPr algn="ctr"/>
+            <a:endParaRPr lang="ko-KR" altLang="en-US"/>
+          </a:p>
+        </p:txBody>
+      </p:sp>
+      <p:sp>
+        <p:nvSpPr>
+          <p:cNvPr id="12" name="사각형: 둥근 모서리 11">
+            <a:extLst>
+              <a:ext uri="{FF2B5EF4-FFF2-40B4-BE49-F238E27FC236}">
+                <a16:creationId xmlns:a16="http://schemas.microsoft.com/office/drawing/2014/main" id="{E3BEADF4-A9E3-0CB6-A2EC-3CFD1E93907C}"/>
+              </a:ext>
+            </a:extLst>
+          </p:cNvPr>
+          <p:cNvSpPr/>
+          <p:nvPr/>
+        </p:nvSpPr>
+        <p:spPr>
+          <a:xfrm>
+            <a:off x="5516884" y="6491940"/>
+            <a:ext cx="482991" cy="70339"/>
+          </a:xfrm>
+          <a:prstGeom prst="roundRect">
+            <a:avLst/>
+          </a:prstGeom>
+          <a:solidFill>
+            <a:schemeClr val="accent1">
+              <a:lumMod val="20000"/>
+              <a:lumOff val="80000"/>
+            </a:schemeClr>
+          </a:solidFill>
+          <a:ln>
+            <a:noFill/>
+          </a:ln>
+        </p:spPr>
+        <p:style>
+          <a:lnRef idx="2">
+            <a:schemeClr val="accent1">
+              <a:shade val="15000"/>
+            </a:schemeClr>
+          </a:lnRef>
+          <a:fillRef idx="1">
+            <a:schemeClr val="accent1"/>
+          </a:fillRef>
+          <a:effectRef idx="0">
+            <a:schemeClr val="accent1"/>
+          </a:effectRef>
+          <a:fontRef idx="minor">
+            <a:schemeClr val="lt1"/>
+          </a:fontRef>
+        </p:style>
+        <p:txBody>
+          <a:bodyPr rtlCol="0" anchor="ctr"/>
+          <a:lstStyle/>
+          <a:p>
+            <a:pPr algn="ctr"/>
+            <a:endParaRPr lang="ko-KR" altLang="en-US"/>
+          </a:p>
+        </p:txBody>
+      </p:sp>
+      <p:sp>
+        <p:nvSpPr>
+          <p:cNvPr id="13" name="사각형: 둥근 모서리 12">
+            <a:extLst>
+              <a:ext uri="{FF2B5EF4-FFF2-40B4-BE49-F238E27FC236}">
+                <a16:creationId xmlns:a16="http://schemas.microsoft.com/office/drawing/2014/main" id="{FE6820D1-3C28-6745-FEB7-6320F7AC7D1A}"/>
+              </a:ext>
+            </a:extLst>
+          </p:cNvPr>
+          <p:cNvSpPr/>
+          <p:nvPr/>
+        </p:nvSpPr>
+        <p:spPr>
+          <a:xfrm>
+            <a:off x="6192126" y="6491940"/>
+            <a:ext cx="482991" cy="70339"/>
+          </a:xfrm>
+          <a:prstGeom prst="roundRect">
+            <a:avLst/>
+          </a:prstGeom>
+          <a:solidFill>
+            <a:schemeClr val="accent1">
+              <a:lumMod val="20000"/>
+              <a:lumOff val="80000"/>
+            </a:schemeClr>
+          </a:solidFill>
+          <a:ln>
+            <a:noFill/>
+          </a:ln>
+        </p:spPr>
+        <p:style>
+          <a:lnRef idx="2">
+            <a:schemeClr val="accent1">
+              <a:shade val="15000"/>
+            </a:schemeClr>
+          </a:lnRef>
+          <a:fillRef idx="1">
+            <a:schemeClr val="accent1"/>
+          </a:fillRef>
+          <a:effectRef idx="0">
+            <a:schemeClr val="accent1"/>
+          </a:effectRef>
+          <a:fontRef idx="minor">
+            <a:schemeClr val="lt1"/>
+          </a:fontRef>
+        </p:style>
+        <p:txBody>
+          <a:bodyPr rtlCol="0" anchor="ctr"/>
+          <a:lstStyle/>
+          <a:p>
+            <a:pPr algn="ctr"/>
+            <a:endParaRPr lang="ko-KR" altLang="en-US"/>
+          </a:p>
+        </p:txBody>
+      </p:sp>
+      <p:sp>
+        <p:nvSpPr>
+          <p:cNvPr id="14" name="사각형: 둥근 모서리 13">
+            <a:extLst>
+              <a:ext uri="{FF2B5EF4-FFF2-40B4-BE49-F238E27FC236}">
+                <a16:creationId xmlns:a16="http://schemas.microsoft.com/office/drawing/2014/main" id="{0B599AA2-DA92-B965-F951-6A6173BBB0DE}"/>
+              </a:ext>
+            </a:extLst>
+          </p:cNvPr>
+          <p:cNvSpPr/>
+          <p:nvPr/>
+        </p:nvSpPr>
+        <p:spPr>
+          <a:xfrm>
+            <a:off x="6867368" y="6491940"/>
+            <a:ext cx="482991" cy="70339"/>
+          </a:xfrm>
+          <a:prstGeom prst="roundRect">
+            <a:avLst/>
+          </a:prstGeom>
+          <a:solidFill>
+            <a:schemeClr val="accent1">
+              <a:lumMod val="20000"/>
+              <a:lumOff val="80000"/>
+            </a:schemeClr>
+          </a:solidFill>
+          <a:ln>
+            <a:noFill/>
+          </a:ln>
+        </p:spPr>
+        <p:style>
+          <a:lnRef idx="2">
+            <a:schemeClr val="accent1">
+              <a:shade val="15000"/>
+            </a:schemeClr>
+          </a:lnRef>
+          <a:fillRef idx="1">
+            <a:schemeClr val="accent1"/>
+          </a:fillRef>
+          <a:effectRef idx="0">
+            <a:schemeClr val="accent1"/>
+          </a:effectRef>
+          <a:fontRef idx="minor">
+            <a:schemeClr val="lt1"/>
+          </a:fontRef>
+        </p:style>
+        <p:txBody>
+          <a:bodyPr rtlCol="0" anchor="ctr"/>
+          <a:lstStyle/>
+          <a:p>
+            <a:pPr algn="ctr"/>
+            <a:endParaRPr lang="ko-KR" altLang="en-US"/>
+          </a:p>
+        </p:txBody>
+      </p:sp>
+      <p:pic>
+        <p:nvPicPr>
+          <p:cNvPr id="3" name="그림 2">
+            <a:extLst>
+              <a:ext uri="{FF2B5EF4-FFF2-40B4-BE49-F238E27FC236}">
+                <a16:creationId xmlns:a16="http://schemas.microsoft.com/office/drawing/2014/main" id="{B051AE79-8386-1F15-7796-FC336157B3DC}"/>
+              </a:ext>
+            </a:extLst>
+          </p:cNvPr>
+          <p:cNvPicPr>
+            <a:picLocks noChangeAspect="1"/>
+          </p:cNvPicPr>
+          <p:nvPr/>
+        </p:nvPicPr>
+        <p:blipFill>
+          <a:blip r:embed="rId2"/>
+          <a:stretch>
+            <a:fillRect/>
+          </a:stretch>
+        </p:blipFill>
+        <p:spPr>
+          <a:xfrm>
+            <a:off x="838200" y="1014518"/>
+            <a:ext cx="4545149" cy="3105714"/>
+          </a:xfrm>
+          <a:prstGeom prst="rect">
+            <a:avLst/>
+          </a:prstGeom>
+        </p:spPr>
+      </p:pic>
+      <p:pic>
+        <p:nvPicPr>
+          <p:cNvPr id="6" name="그림 5">
+            <a:extLst>
+              <a:ext uri="{FF2B5EF4-FFF2-40B4-BE49-F238E27FC236}">
+                <a16:creationId xmlns:a16="http://schemas.microsoft.com/office/drawing/2014/main" id="{CDA923FD-286F-75E1-3B08-3A463D3D62B6}"/>
+              </a:ext>
+            </a:extLst>
+          </p:cNvPr>
+          <p:cNvPicPr>
+            <a:picLocks noChangeAspect="1"/>
+          </p:cNvPicPr>
+          <p:nvPr/>
+        </p:nvPicPr>
+        <p:blipFill>
+          <a:blip r:embed="rId3"/>
+          <a:stretch>
+            <a:fillRect/>
+          </a:stretch>
+        </p:blipFill>
+        <p:spPr>
+          <a:xfrm>
+            <a:off x="838201" y="4120232"/>
+            <a:ext cx="4545148" cy="971190"/>
+          </a:xfrm>
+          <a:prstGeom prst="rect">
+            <a:avLst/>
+          </a:prstGeom>
+        </p:spPr>
+      </p:pic>
+      <p:sp>
+        <p:nvSpPr>
+          <p:cNvPr id="7" name="TextBox 6">
+            <a:extLst>
+              <a:ext uri="{FF2B5EF4-FFF2-40B4-BE49-F238E27FC236}">
+                <a16:creationId xmlns:a16="http://schemas.microsoft.com/office/drawing/2014/main" id="{3DD960E3-CC80-6D23-5240-0E1DCA221816}"/>
+              </a:ext>
+            </a:extLst>
+          </p:cNvPr>
+          <p:cNvSpPr txBox="1"/>
+          <p:nvPr/>
+        </p:nvSpPr>
+        <p:spPr>
+          <a:xfrm>
+            <a:off x="6096001" y="970671"/>
+            <a:ext cx="5519224" cy="1754326"/>
+          </a:xfrm>
+          <a:prstGeom prst="rect">
+            <a:avLst/>
+          </a:prstGeom>
+          <a:noFill/>
+        </p:spPr>
+        <p:txBody>
+          <a:bodyPr wrap="square" rtlCol="0">
+            <a:spAutoFit/>
+          </a:bodyPr>
+          <a:lstStyle/>
+          <a:p>
+            <a:r>
+              <a:rPr lang="en-US" altLang="ko-KR" dirty="0"/>
+              <a:t>header.html</a:t>
+            </a:r>
+            <a:r>
+              <a:rPr lang="ko-KR" altLang="en-US" dirty="0"/>
+              <a:t>과 </a:t>
+            </a:r>
+            <a:r>
+              <a:rPr lang="en-US" altLang="ko-KR" dirty="0"/>
+              <a:t>footer.html</a:t>
+            </a:r>
+          </a:p>
+          <a:p>
+            <a:endParaRPr lang="en-US" altLang="ko-KR" dirty="0"/>
+          </a:p>
+          <a:p>
+            <a:r>
+              <a:rPr lang="en-US" altLang="ko-KR" dirty="0"/>
+              <a:t>Html</a:t>
+            </a:r>
+            <a:r>
+              <a:rPr lang="ko-KR" altLang="en-US" dirty="0"/>
+              <a:t>모든 태그를 추가하지 않고 필요한 태그만 넣어두어 간소화하였음</a:t>
+            </a:r>
+            <a:r>
+              <a:rPr lang="en-US" altLang="ko-KR" dirty="0"/>
+              <a:t>.</a:t>
+            </a:r>
+          </a:p>
+          <a:p>
+            <a:endParaRPr lang="en-US" altLang="ko-KR" dirty="0"/>
+          </a:p>
+          <a:p>
+            <a:endParaRPr lang="en-US" altLang="ko-KR" dirty="0"/>
+          </a:p>
+        </p:txBody>
+      </p:sp>
+    </p:spTree>
+    <p:extLst>
+      <p:ext uri="{BB962C8B-B14F-4D97-AF65-F5344CB8AC3E}">
+        <p14:creationId xmlns:p14="http://schemas.microsoft.com/office/powerpoint/2010/main" val="1329093481"/>
+      </p:ext>
+    </p:extLst>
+  </p:cSld>
+  <p:clrMapOvr>
+    <a:masterClrMapping/>
+  </p:clrMapOvr>
+</p:sld>
+</file>
+
+<file path=ppt/slides/slide8.xml><?xml version="1.0" encoding="utf-8"?>
+<p:sld xmlns:a="http://schemas.openxmlformats.org/drawingml/2006/main" xmlns:r="http://schemas.openxmlformats.org/officeDocument/2006/relationships" xmlns:p="http://schemas.openxmlformats.org/presentationml/2006/main">
+  <p:cSld>
+    <p:spTree>
+      <p:nvGrpSpPr>
+        <p:cNvPr id="1" name=""/>
+        <p:cNvGrpSpPr/>
+        <p:nvPr/>
+      </p:nvGrpSpPr>
+      <p:grpSpPr>
+        <a:xfrm>
+          <a:off x="0" y="0"/>
+          <a:ext cx="0" cy="0"/>
+          <a:chOff x="0" y="0"/>
+          <a:chExt cx="0" cy="0"/>
+        </a:xfrm>
+      </p:grpSpPr>
+      <p:sp>
+        <p:nvSpPr>
+          <p:cNvPr id="7" name="내용 개체 틀 2">
+            <a:extLst>
+              <a:ext uri="{FF2B5EF4-FFF2-40B4-BE49-F238E27FC236}">
+                <a16:creationId xmlns:a16="http://schemas.microsoft.com/office/drawing/2014/main" id="{2A8C83F4-BD5B-469E-34DE-B5426AE750BB}"/>
+              </a:ext>
+            </a:extLst>
+          </p:cNvPr>
+          <p:cNvSpPr>
+            <a:spLocks noGrp="1"/>
+          </p:cNvSpPr>
+          <p:nvPr>
+            <p:ph idx="1"/>
+          </p:nvPr>
+        </p:nvSpPr>
+        <p:spPr>
+          <a:xfrm>
+            <a:off x="838200" y="2816619"/>
+            <a:ext cx="10515599" cy="3360344"/>
+          </a:xfrm>
+        </p:spPr>
+        <p:txBody>
+          <a:bodyPr/>
+          <a:lstStyle/>
+          <a:p>
+            <a:pPr marL="0" indent="0" algn="ctr">
+              <a:buNone/>
+            </a:pPr>
+            <a:r>
+              <a:rPr lang="en-US" altLang="ko-KR" dirty="0"/>
+              <a:t>02</a:t>
+            </a:r>
+          </a:p>
+          <a:p>
+            <a:pPr marL="0" indent="0" algn="ctr">
+              <a:buNone/>
+            </a:pPr>
+            <a:endParaRPr lang="en-US" altLang="ko-KR" dirty="0"/>
+          </a:p>
+          <a:p>
+            <a:pPr marL="0" indent="0" algn="ctr">
+              <a:buNone/>
+            </a:pPr>
+            <a:r>
+              <a:rPr lang="ko-KR" altLang="en-US" dirty="0"/>
+              <a:t>로또</a:t>
+            </a:r>
+          </a:p>
+        </p:txBody>
+      </p:sp>
+      <p:sp>
+        <p:nvSpPr>
+          <p:cNvPr id="10" name="사각형: 둥근 모서리 9">
+            <a:extLst>
+              <a:ext uri="{FF2B5EF4-FFF2-40B4-BE49-F238E27FC236}">
+                <a16:creationId xmlns:a16="http://schemas.microsoft.com/office/drawing/2014/main" id="{4C3F2BD0-E49E-53FD-8DCA-AF557A617C8E}"/>
+              </a:ext>
+            </a:extLst>
+          </p:cNvPr>
+          <p:cNvSpPr/>
+          <p:nvPr/>
+        </p:nvSpPr>
+        <p:spPr>
+          <a:xfrm>
+            <a:off x="6192126" y="6491938"/>
+            <a:ext cx="482991" cy="70339"/>
+          </a:xfrm>
+          <a:prstGeom prst="roundRect">
+            <a:avLst/>
+          </a:prstGeom>
+          <a:solidFill>
+            <a:schemeClr val="accent1">
+              <a:lumMod val="20000"/>
+              <a:lumOff val="80000"/>
+            </a:schemeClr>
+          </a:solidFill>
+          <a:ln>
+            <a:noFill/>
+          </a:ln>
+        </p:spPr>
+        <p:style>
+          <a:lnRef idx="2">
+            <a:schemeClr val="accent1">
+              <a:shade val="15000"/>
+            </a:schemeClr>
+          </a:lnRef>
+          <a:fillRef idx="1">
+            <a:schemeClr val="accent1"/>
+          </a:fillRef>
+          <a:effectRef idx="0">
+            <a:schemeClr val="accent1"/>
+          </a:effectRef>
+          <a:fontRef idx="minor">
+            <a:schemeClr val="lt1"/>
+          </a:fontRef>
+        </p:style>
+        <p:txBody>
+          <a:bodyPr rtlCol="0" anchor="ctr"/>
+          <a:lstStyle/>
+          <a:p>
+            <a:pPr algn="ctr"/>
+            <a:endParaRPr lang="ko-KR" altLang="en-US"/>
+          </a:p>
+        </p:txBody>
+      </p:sp>
+      <p:sp>
+        <p:nvSpPr>
+          <p:cNvPr id="2" name="사각형: 둥근 모서리 1">
+            <a:extLst>
+              <a:ext uri="{FF2B5EF4-FFF2-40B4-BE49-F238E27FC236}">
+                <a16:creationId xmlns:a16="http://schemas.microsoft.com/office/drawing/2014/main" id="{7A667134-0FF9-EB2A-6911-E31DD82B2281}"/>
+              </a:ext>
+            </a:extLst>
+          </p:cNvPr>
+          <p:cNvSpPr/>
+          <p:nvPr/>
+        </p:nvSpPr>
+        <p:spPr>
+          <a:xfrm>
+            <a:off x="6867368" y="6491940"/>
+            <a:ext cx="482991" cy="70339"/>
+          </a:xfrm>
+          <a:prstGeom prst="roundRect">
+            <a:avLst/>
+          </a:prstGeom>
+          <a:solidFill>
+            <a:schemeClr val="accent1">
+              <a:lumMod val="20000"/>
+              <a:lumOff val="80000"/>
+            </a:schemeClr>
+          </a:solidFill>
+          <a:ln>
+            <a:noFill/>
+          </a:ln>
+        </p:spPr>
+        <p:style>
+          <a:lnRef idx="2">
+            <a:schemeClr val="accent1">
+              <a:shade val="15000"/>
+            </a:schemeClr>
+          </a:lnRef>
+          <a:fillRef idx="1">
+            <a:schemeClr val="accent1"/>
+          </a:fillRef>
+          <a:effectRef idx="0">
+            <a:schemeClr val="accent1"/>
+          </a:effectRef>
+          <a:fontRef idx="minor">
+            <a:schemeClr val="lt1"/>
+          </a:fontRef>
+        </p:style>
+        <p:txBody>
+          <a:bodyPr rtlCol="0" anchor="ctr"/>
+          <a:lstStyle/>
+          <a:p>
+            <a:pPr algn="ctr"/>
+            <a:endParaRPr lang="ko-KR" altLang="en-US"/>
+          </a:p>
+        </p:txBody>
+      </p:sp>
+      <p:sp>
+        <p:nvSpPr>
+          <p:cNvPr id="3" name="사각형: 둥근 모서리 2">
+            <a:extLst>
+              <a:ext uri="{FF2B5EF4-FFF2-40B4-BE49-F238E27FC236}">
+                <a16:creationId xmlns:a16="http://schemas.microsoft.com/office/drawing/2014/main" id="{48710FD9-A860-79C2-A674-D3F0865003D9}"/>
+              </a:ext>
+            </a:extLst>
+          </p:cNvPr>
+          <p:cNvSpPr/>
+          <p:nvPr/>
+        </p:nvSpPr>
+        <p:spPr>
+          <a:xfrm>
+            <a:off x="4841642" y="6491938"/>
+            <a:ext cx="482991" cy="70339"/>
+          </a:xfrm>
+          <a:prstGeom prst="roundRect">
+            <a:avLst/>
+          </a:prstGeom>
+          <a:solidFill>
+            <a:schemeClr val="accent1">
+              <a:lumMod val="20000"/>
+              <a:lumOff val="80000"/>
+            </a:schemeClr>
+          </a:solidFill>
+          <a:ln>
+            <a:noFill/>
+          </a:ln>
+        </p:spPr>
+        <p:style>
+          <a:lnRef idx="2">
+            <a:schemeClr val="accent1">
+              <a:shade val="15000"/>
+            </a:schemeClr>
+          </a:lnRef>
+          <a:fillRef idx="1">
+            <a:schemeClr val="accent1"/>
+          </a:fillRef>
+          <a:effectRef idx="0">
+            <a:schemeClr val="accent1"/>
+          </a:effectRef>
+          <a:fontRef idx="minor">
+            <a:schemeClr val="lt1"/>
+          </a:fontRef>
+        </p:style>
+        <p:txBody>
+          <a:bodyPr rtlCol="0" anchor="ctr"/>
+          <a:lstStyle/>
+          <a:p>
+            <a:pPr algn="ctr"/>
+            <a:endParaRPr lang="ko-KR" altLang="en-US"/>
+          </a:p>
+        </p:txBody>
+      </p:sp>
+      <p:sp>
+        <p:nvSpPr>
+          <p:cNvPr id="4" name="사각형: 둥근 모서리 3">
+            <a:extLst>
+              <a:ext uri="{FF2B5EF4-FFF2-40B4-BE49-F238E27FC236}">
+                <a16:creationId xmlns:a16="http://schemas.microsoft.com/office/drawing/2014/main" id="{48B3FAA0-F21E-67FB-A331-BEEE158433E3}"/>
+              </a:ext>
+            </a:extLst>
+          </p:cNvPr>
+          <p:cNvSpPr/>
+          <p:nvPr/>
+        </p:nvSpPr>
+        <p:spPr>
+          <a:xfrm>
+            <a:off x="5516884" y="6491938"/>
+            <a:ext cx="482991" cy="70339"/>
+          </a:xfrm>
+          <a:prstGeom prst="roundRect">
+            <a:avLst/>
+          </a:prstGeom>
+          <a:ln>
+            <a:noFill/>
+          </a:ln>
+        </p:spPr>
+        <p:style>
+          <a:lnRef idx="2">
+            <a:schemeClr val="accent1">
+              <a:shade val="15000"/>
+            </a:schemeClr>
+          </a:lnRef>
+          <a:fillRef idx="1">
+            <a:schemeClr val="accent1"/>
+          </a:fillRef>
+          <a:effectRef idx="0">
+            <a:schemeClr val="accent1"/>
+          </a:effectRef>
+          <a:fontRef idx="minor">
+            <a:schemeClr val="lt1"/>
+          </a:fontRef>
+        </p:style>
+        <p:txBody>
+          <a:bodyPr rtlCol="0" anchor="ctr"/>
+          <a:lstStyle/>
+          <a:p>
+            <a:pPr algn="ctr"/>
+            <a:endParaRPr lang="ko-KR" altLang="en-US"/>
+          </a:p>
+        </p:txBody>
+      </p:sp>
+    </p:spTree>
+    <p:extLst>
+      <p:ext uri="{BB962C8B-B14F-4D97-AF65-F5344CB8AC3E}">
+        <p14:creationId xmlns:p14="http://schemas.microsoft.com/office/powerpoint/2010/main" val="2309396461"/>
+      </p:ext>
+    </p:extLst>
+  </p:cSld>
+  <p:clrMapOvr>
+    <a:masterClrMapping/>
+  </p:clrMapOvr>
+</p:sld>
+</file>
+
+<file path=ppt/slides/slide9.xml><?xml version="1.0" encoding="utf-8"?>
+<p:sld xmlns:a="http://schemas.openxmlformats.org/drawingml/2006/main" xmlns:r="http://schemas.openxmlformats.org/officeDocument/2006/relationships" xmlns:p="http://schemas.openxmlformats.org/presentationml/2006/main">
+  <p:cSld>
+    <p:spTree>
+      <p:nvGrpSpPr>
+        <p:cNvPr id="1" name=""/>
+        <p:cNvGrpSpPr/>
+        <p:nvPr/>
+      </p:nvGrpSpPr>
+      <p:grpSpPr>
+        <a:xfrm>
+          <a:off x="0" y="0"/>
+          <a:ext cx="0" cy="0"/>
+          <a:chOff x="0" y="0"/>
+          <a:chExt cx="0" cy="0"/>
+        </a:xfrm>
+      </p:grpSpPr>
+      <p:sp>
+        <p:nvSpPr>
+          <p:cNvPr id="7" name="내용 개체 틀 2">
+            <a:extLst>
+              <a:ext uri="{FF2B5EF4-FFF2-40B4-BE49-F238E27FC236}">
+                <a16:creationId xmlns:a16="http://schemas.microsoft.com/office/drawing/2014/main" id="{2A8C83F4-BD5B-469E-34DE-B5426AE750BB}"/>
+              </a:ext>
+            </a:extLst>
+          </p:cNvPr>
+          <p:cNvSpPr>
+            <a:spLocks noGrp="1"/>
+          </p:cNvSpPr>
+          <p:nvPr>
+            <p:ph idx="1"/>
+          </p:nvPr>
+        </p:nvSpPr>
+        <p:spPr>
+          <a:xfrm>
+            <a:off x="838200" y="2816619"/>
+            <a:ext cx="10515599" cy="3360344"/>
+          </a:xfrm>
+        </p:spPr>
+        <p:txBody>
+          <a:bodyPr/>
+          <a:lstStyle/>
+          <a:p>
+            <a:pPr marL="0" indent="0" algn="ctr">
+              <a:buNone/>
+            </a:pPr>
+            <a:r>
+              <a:rPr lang="en-US" altLang="ko-KR" dirty="0"/>
+              <a:t>03</a:t>
+            </a:r>
+          </a:p>
+          <a:p>
+            <a:pPr marL="0" indent="0" algn="ctr">
+              <a:buNone/>
+            </a:pPr>
+            <a:endParaRPr lang="en-US" altLang="ko-KR" dirty="0"/>
+          </a:p>
+          <a:p>
+            <a:pPr marL="0" indent="0" algn="ctr">
+              <a:buNone/>
+            </a:pPr>
+            <a:r>
+              <a:rPr lang="ko-KR" altLang="en-US" dirty="0"/>
+              <a:t>가위바위보</a:t>
+            </a:r>
+          </a:p>
+        </p:txBody>
+      </p:sp>
+      <p:sp>
+        <p:nvSpPr>
+          <p:cNvPr id="2" name="사각형: 둥근 모서리 1">
+            <a:extLst>
+              <a:ext uri="{FF2B5EF4-FFF2-40B4-BE49-F238E27FC236}">
+                <a16:creationId xmlns:a16="http://schemas.microsoft.com/office/drawing/2014/main" id="{7A667134-0FF9-EB2A-6911-E31DD82B2281}"/>
+              </a:ext>
+            </a:extLst>
+          </p:cNvPr>
+          <p:cNvSpPr/>
+          <p:nvPr/>
+        </p:nvSpPr>
+        <p:spPr>
+          <a:xfrm>
+            <a:off x="6867368" y="6491940"/>
+            <a:ext cx="482991" cy="70339"/>
+          </a:xfrm>
+          <a:prstGeom prst="roundRect">
+            <a:avLst/>
+          </a:prstGeom>
+          <a:solidFill>
+            <a:schemeClr val="accent1">
+              <a:lumMod val="20000"/>
+              <a:lumOff val="80000"/>
+            </a:schemeClr>
+          </a:solidFill>
+          <a:ln>
+            <a:noFill/>
+          </a:ln>
+        </p:spPr>
+        <p:style>
+          <a:lnRef idx="2">
+            <a:schemeClr val="accent1">
+              <a:shade val="15000"/>
+            </a:schemeClr>
+          </a:lnRef>
+          <a:fillRef idx="1">
+            <a:schemeClr val="accent1"/>
+          </a:fillRef>
+          <a:effectRef idx="0">
+            <a:schemeClr val="accent1"/>
+          </a:effectRef>
+          <a:fontRef idx="minor">
+            <a:schemeClr val="lt1"/>
+          </a:fontRef>
+        </p:style>
+        <p:txBody>
+          <a:bodyPr rtlCol="0" anchor="ctr"/>
+          <a:lstStyle/>
+          <a:p>
+            <a:pPr algn="ctr"/>
+            <a:endParaRPr lang="ko-KR" altLang="en-US"/>
+          </a:p>
+        </p:txBody>
+      </p:sp>
+      <p:sp>
+        <p:nvSpPr>
+          <p:cNvPr id="3" name="사각형: 둥근 모서리 2">
+            <a:extLst>
+              <a:ext uri="{FF2B5EF4-FFF2-40B4-BE49-F238E27FC236}">
+                <a16:creationId xmlns:a16="http://schemas.microsoft.com/office/drawing/2014/main" id="{48710FD9-A860-79C2-A674-D3F0865003D9}"/>
+              </a:ext>
+            </a:extLst>
+          </p:cNvPr>
+          <p:cNvSpPr/>
+          <p:nvPr/>
+        </p:nvSpPr>
+        <p:spPr>
+          <a:xfrm>
+            <a:off x="4841642" y="6491938"/>
+            <a:ext cx="482991" cy="70339"/>
+          </a:xfrm>
+          <a:prstGeom prst="roundRect">
+            <a:avLst/>
+          </a:prstGeom>
+          <a:solidFill>
+            <a:schemeClr val="accent1">
+              <a:lumMod val="20000"/>
+              <a:lumOff val="80000"/>
+            </a:schemeClr>
+          </a:solidFill>
+          <a:ln>
+            <a:noFill/>
+          </a:ln>
+        </p:spPr>
+        <p:style>
+          <a:lnRef idx="2">
+            <a:schemeClr val="accent1">
+              <a:shade val="15000"/>
+            </a:schemeClr>
+          </a:lnRef>
+          <a:fillRef idx="1">
+            <a:schemeClr val="accent1"/>
+          </a:fillRef>
+          <a:effectRef idx="0">
+            <a:schemeClr val="accent1"/>
+          </a:effectRef>
+          <a:fontRef idx="minor">
+            <a:schemeClr val="lt1"/>
+          </a:fontRef>
+        </p:style>
+        <p:txBody>
+          <a:bodyPr rtlCol="0" anchor="ctr"/>
+          <a:lstStyle/>
+          <a:p>
+            <a:pPr algn="ctr"/>
+            <a:endParaRPr lang="ko-KR" altLang="en-US"/>
+          </a:p>
+        </p:txBody>
+      </p:sp>
+      <p:sp>
+        <p:nvSpPr>
+          <p:cNvPr id="4" name="사각형: 둥근 모서리 3">
+            <a:extLst>
+              <a:ext uri="{FF2B5EF4-FFF2-40B4-BE49-F238E27FC236}">
+                <a16:creationId xmlns:a16="http://schemas.microsoft.com/office/drawing/2014/main" id="{48B3FAA0-F21E-67FB-A331-BEEE158433E3}"/>
+              </a:ext>
+            </a:extLst>
+          </p:cNvPr>
+          <p:cNvSpPr/>
+          <p:nvPr/>
+        </p:nvSpPr>
+        <p:spPr>
+          <a:xfrm>
+            <a:off x="6192126" y="6491937"/>
+            <a:ext cx="482991" cy="70339"/>
+          </a:xfrm>
+          <a:prstGeom prst="roundRect">
+            <a:avLst/>
+          </a:prstGeom>
+          <a:ln>
+            <a:noFill/>
+          </a:ln>
+        </p:spPr>
+        <p:style>
+          <a:lnRef idx="2">
+            <a:schemeClr val="accent1">
+              <a:shade val="15000"/>
+            </a:schemeClr>
+          </a:lnRef>
+          <a:fillRef idx="1">
+            <a:schemeClr val="accent1"/>
+          </a:fillRef>
+          <a:effectRef idx="0">
+            <a:schemeClr val="accent1"/>
+          </a:effectRef>
+          <a:fontRef idx="minor">
+            <a:schemeClr val="lt1"/>
+          </a:fontRef>
+        </p:style>
+        <p:txBody>
+          <a:bodyPr rtlCol="0" anchor="ctr"/>
+          <a:lstStyle/>
+          <a:p>
+            <a:pPr algn="ctr"/>
+            <a:endParaRPr lang="ko-KR" altLang="en-US"/>
+          </a:p>
+        </p:txBody>
+      </p:sp>
+      <p:sp>
+        <p:nvSpPr>
+          <p:cNvPr id="5" name="사각형: 둥근 모서리 4">
+            <a:extLst>
+              <a:ext uri="{FF2B5EF4-FFF2-40B4-BE49-F238E27FC236}">
+                <a16:creationId xmlns:a16="http://schemas.microsoft.com/office/drawing/2014/main" id="{9121A56C-B069-A08C-8419-04E70F4AF5BB}"/>
+              </a:ext>
+            </a:extLst>
+          </p:cNvPr>
+          <p:cNvSpPr/>
+          <p:nvPr/>
+        </p:nvSpPr>
+        <p:spPr>
+          <a:xfrm>
+            <a:off x="5516884" y="6491938"/>
+            <a:ext cx="482991" cy="70339"/>
+          </a:xfrm>
+          <a:prstGeom prst="roundRect">
+            <a:avLst/>
+          </a:prstGeom>
+          <a:solidFill>
+            <a:schemeClr val="accent1">
+              <a:lumMod val="20000"/>
+              <a:lumOff val="80000"/>
+            </a:schemeClr>
+          </a:solidFill>
+          <a:ln>
+            <a:noFill/>
+          </a:ln>
+        </p:spPr>
+        <p:style>
+          <a:lnRef idx="2">
+            <a:schemeClr val="accent1">
+              <a:shade val="15000"/>
+            </a:schemeClr>
+          </a:lnRef>
+          <a:fillRef idx="1">
+            <a:schemeClr val="accent1"/>
+          </a:fillRef>
+          <a:effectRef idx="0">
+            <a:schemeClr val="accent1"/>
+          </a:effectRef>
+          <a:fontRef idx="minor">
+            <a:schemeClr val="lt1"/>
+          </a:fontRef>
+        </p:style>
+        <p:txBody>
+          <a:bodyPr rtlCol="0" anchor="ctr"/>
+          <a:lstStyle/>
+          <a:p>
+            <a:pPr algn="ctr"/>
+            <a:endParaRPr lang="ko-KR" altLang="en-US"/>
+          </a:p>
+        </p:txBody>
+      </p:sp>
+    </p:spTree>
+    <p:extLst>
+      <p:ext uri="{BB962C8B-B14F-4D97-AF65-F5344CB8AC3E}">
+        <p14:creationId xmlns:p14="http://schemas.microsoft.com/office/powerpoint/2010/main" val="2065928894"/>
       </p:ext>
     </p:extLst>
   </p:cSld>
